--- a/intro_to_python.pptx
+++ b/intro_to_python.pptx
@@ -5,7 +5,7 @@
     <p:sldMasterId id="2147483967" r:id="rId1"/>
   </p:sldMasterIdLst>
   <p:notesMasterIdLst>
-    <p:notesMasterId r:id="rId12"/>
+    <p:notesMasterId r:id="rId13"/>
   </p:notesMasterIdLst>
   <p:sldIdLst>
     <p:sldId id="256" r:id="rId2"/>
@@ -13,11 +13,12 @@
     <p:sldId id="259" r:id="rId4"/>
     <p:sldId id="504" r:id="rId5"/>
     <p:sldId id="505" r:id="rId6"/>
-    <p:sldId id="503" r:id="rId7"/>
-    <p:sldId id="506" r:id="rId8"/>
-    <p:sldId id="272" r:id="rId9"/>
-    <p:sldId id="502" r:id="rId10"/>
-    <p:sldId id="458" r:id="rId11"/>
+    <p:sldId id="507" r:id="rId7"/>
+    <p:sldId id="503" r:id="rId8"/>
+    <p:sldId id="506" r:id="rId9"/>
+    <p:sldId id="272" r:id="rId10"/>
+    <p:sldId id="502" r:id="rId11"/>
+    <p:sldId id="458" r:id="rId12"/>
   </p:sldIdLst>
   <p:sldSz cx="12192000" cy="6858000"/>
   <p:notesSz cx="6858000" cy="9144000"/>
@@ -206,7 +207,7 @@
           <a:p>
             <a:fld id="{4263B144-151C-EE42-BD1F-2DB40FA9991B}" type="datetimeFigureOut">
               <a:rPr lang="en-US" smtClean="0"/>
-              <a:t>12/27/18</a:t>
+              <a:t>12/28/18</a:t>
             </a:fld>
             <a:endParaRPr lang="en-US"/>
           </a:p>
@@ -539,7 +540,7 @@
             <a:fld id="{2B3E1866-6ABF-4414-AFB5-B91146A1FA19}" type="slidenum">
               <a:rPr lang="en-GB" smtClean="0"/>
               <a:pPr/>
-              <a:t>9</a:t>
+              <a:t>10</a:t>
             </a:fld>
             <a:endParaRPr lang="en-GB" dirty="0"/>
           </a:p>
@@ -624,7 +625,7 @@
             <a:fld id="{2B3E1866-6ABF-4414-AFB5-B91146A1FA19}" type="slidenum">
               <a:rPr lang="en-GB" smtClean="0"/>
               <a:pPr/>
-              <a:t>10</a:t>
+              <a:t>11</a:t>
             </a:fld>
             <a:endParaRPr lang="en-GB" dirty="0"/>
           </a:p>
@@ -783,7 +784,7 @@
             <a:fld id="{48A87A34-81AB-432B-8DAE-1953F412C126}" type="datetimeFigureOut">
               <a:rPr lang="en-US" smtClean="0"/>
               <a:pPr/>
-              <a:t>12/27/18</a:t>
+              <a:t>12/28/18</a:t>
             </a:fld>
             <a:endParaRPr lang="en-US" dirty="0"/>
           </a:p>
@@ -995,7 +996,7 @@
             <a:fld id="{48A87A34-81AB-432B-8DAE-1953F412C126}" type="datetimeFigureOut">
               <a:rPr lang="en-US" smtClean="0"/>
               <a:pPr/>
-              <a:t>12/27/18</a:t>
+              <a:t>12/28/18</a:t>
             </a:fld>
             <a:endParaRPr lang="en-US" dirty="0"/>
           </a:p>
@@ -1212,7 +1213,7 @@
             <a:fld id="{48A87A34-81AB-432B-8DAE-1953F412C126}" type="datetimeFigureOut">
               <a:rPr lang="en-US" smtClean="0"/>
               <a:pPr/>
-              <a:t>12/27/18</a:t>
+              <a:t>12/28/18</a:t>
             </a:fld>
             <a:endParaRPr lang="en-US" dirty="0"/>
           </a:p>
@@ -1429,7 +1430,7 @@
             <a:fld id="{48A87A34-81AB-432B-8DAE-1953F412C126}" type="datetimeFigureOut">
               <a:rPr lang="en-US" smtClean="0"/>
               <a:pPr/>
-              <a:t>12/27/18</a:t>
+              <a:t>12/28/18</a:t>
             </a:fld>
             <a:endParaRPr lang="en-US" dirty="0"/>
           </a:p>
@@ -1719,7 +1720,7 @@
           <a:p>
             <a:fld id="{48A87A34-81AB-432B-8DAE-1953F412C126}" type="datetimeFigureOut">
               <a:rPr lang="en-US" smtClean="0"/>
-              <a:t>12/27/18</a:t>
+              <a:t>12/28/18</a:t>
             </a:fld>
             <a:endParaRPr lang="en-US" dirty="0"/>
           </a:p>
@@ -1988,7 +1989,7 @@
             <a:fld id="{48A87A34-81AB-432B-8DAE-1953F412C126}" type="datetimeFigureOut">
               <a:rPr lang="en-US" smtClean="0"/>
               <a:pPr/>
-              <a:t>12/27/18</a:t>
+              <a:t>12/28/18</a:t>
             </a:fld>
             <a:endParaRPr lang="en-US" dirty="0"/>
           </a:p>
@@ -2406,7 +2407,7 @@
             <a:fld id="{48A87A34-81AB-432B-8DAE-1953F412C126}" type="datetimeFigureOut">
               <a:rPr lang="en-US" smtClean="0"/>
               <a:pPr/>
-              <a:t>12/27/18</a:t>
+              <a:t>12/28/18</a:t>
             </a:fld>
             <a:endParaRPr lang="en-US" dirty="0"/>
           </a:p>
@@ -2556,7 +2557,7 @@
           <a:p>
             <a:fld id="{48A87A34-81AB-432B-8DAE-1953F412C126}" type="datetimeFigureOut">
               <a:rPr lang="en-US" smtClean="0"/>
-              <a:t>12/27/18</a:t>
+              <a:t>12/28/18</a:t>
             </a:fld>
             <a:endParaRPr lang="en-US" dirty="0"/>
           </a:p>
@@ -2682,7 +2683,7 @@
           <a:p>
             <a:fld id="{48A87A34-81AB-432B-8DAE-1953F412C126}" type="datetimeFigureOut">
               <a:rPr lang="en-US" smtClean="0"/>
-              <a:t>12/27/18</a:t>
+              <a:t>12/28/18</a:t>
             </a:fld>
             <a:endParaRPr lang="en-US" dirty="0"/>
           </a:p>
@@ -2934,7 +2935,7 @@
             <a:fld id="{48A87A34-81AB-432B-8DAE-1953F412C126}" type="datetimeFigureOut">
               <a:rPr lang="en-US" smtClean="0"/>
               <a:pPr/>
-              <a:t>12/27/18</a:t>
+              <a:t>12/28/18</a:t>
             </a:fld>
             <a:endParaRPr lang="en-US" dirty="0"/>
           </a:p>
@@ -3381,7 +3382,7 @@
             <a:fld id="{48A87A34-81AB-432B-8DAE-1953F412C126}" type="datetimeFigureOut">
               <a:rPr lang="en-US" smtClean="0"/>
               <a:pPr/>
-              <a:t>12/27/18</a:t>
+              <a:t>12/28/18</a:t>
             </a:fld>
             <a:endParaRPr lang="en-US" dirty="0"/>
           </a:p>
@@ -3679,7 +3680,7 @@
             <a:fld id="{48A87A34-81AB-432B-8DAE-1953F412C126}" type="datetimeFigureOut">
               <a:rPr lang="en-US" smtClean="0"/>
               <a:pPr/>
-              <a:t>12/27/18</a:t>
+              <a:t>12/28/18</a:t>
             </a:fld>
             <a:endParaRPr lang="en-US" dirty="0"/>
           </a:p>
@@ -4242,6 +4243,677 @@
       </p:grpSpPr>
       <p:sp>
         <p:nvSpPr>
+          <p:cNvPr id="7" name="Title 3"/>
+          <p:cNvSpPr txBox="1">
+            <a:spLocks/>
+          </p:cNvSpPr>
+          <p:nvPr/>
+        </p:nvSpPr>
+        <p:spPr>
+          <a:xfrm>
+            <a:off x="820761" y="129324"/>
+            <a:ext cx="6889896" cy="825012"/>
+          </a:xfrm>
+          <a:prstGeom prst="rect">
+            <a:avLst/>
+          </a:prstGeom>
+        </p:spPr>
+        <p:txBody>
+          <a:bodyPr vert="horz" lIns="0" tIns="0" rIns="0" bIns="0" rtlCol="0" anchor="t" anchorCtr="0">
+            <a:noAutofit/>
+          </a:bodyPr>
+          <a:lstStyle>
+            <a:lvl1pPr algn="l" defTabSz="914400" rtl="0" eaLnBrk="1" latinLnBrk="0" hangingPunct="1">
+              <a:spcBef>
+                <a:spcPct val="0"/>
+              </a:spcBef>
+              <a:buNone/>
+              <a:defRPr sz="2400" b="1" kern="1200">
+                <a:solidFill>
+                  <a:schemeClr val="accent1"/>
+                </a:solidFill>
+                <a:latin typeface="Vodafone Rg" pitchFamily="34" charset="0"/>
+                <a:ea typeface="+mj-ea"/>
+                <a:cs typeface="+mj-cs"/>
+              </a:defRPr>
+            </a:lvl1pPr>
+          </a:lstStyle>
+          <a:p>
+            <a:r>
+              <a:rPr lang="en-GB" sz="4800" b="0" cap="all" dirty="0">
+                <a:solidFill>
+                  <a:schemeClr val="tx1"/>
+                </a:solidFill>
+                <a:latin typeface="+mj-lt"/>
+              </a:rPr>
+              <a:t>Showcase</a:t>
+            </a:r>
+            <a:endParaRPr lang="en-GB" sz="7200" dirty="0"/>
+          </a:p>
+        </p:txBody>
+      </p:sp>
+      <p:sp>
+        <p:nvSpPr>
+          <p:cNvPr id="5" name="Title 3"/>
+          <p:cNvSpPr>
+            <a:spLocks noGrp="1"/>
+          </p:cNvSpPr>
+          <p:nvPr>
+            <p:ph type="title"/>
+          </p:nvPr>
+        </p:nvSpPr>
+        <p:spPr>
+          <a:xfrm>
+            <a:off x="313973" y="1825802"/>
+            <a:ext cx="2809384" cy="825012"/>
+          </a:xfrm>
+        </p:spPr>
+        <p:txBody>
+          <a:bodyPr>
+            <a:normAutofit fontScale="90000"/>
+          </a:bodyPr>
+          <a:lstStyle/>
+          <a:p>
+            <a:pPr algn="ctr"/>
+            <a:r>
+              <a:rPr lang="en-GB" dirty="0"/>
+              <a:t>Code </a:t>
+            </a:r>
+            <a:br>
+              <a:rPr lang="en-GB" dirty="0"/>
+            </a:br>
+            <a:r>
+              <a:rPr lang="en-GB" dirty="0"/>
+              <a:t>{Projects}</a:t>
+            </a:r>
+          </a:p>
+        </p:txBody>
+      </p:sp>
+      <p:pic>
+        <p:nvPicPr>
+          <p:cNvPr id="9" name="Picture 2"/>
+          <p:cNvPicPr>
+            <a:picLocks noChangeAspect="1" noChangeArrowheads="1"/>
+          </p:cNvPicPr>
+          <p:nvPr/>
+        </p:nvPicPr>
+        <p:blipFill>
+          <a:blip r:embed="rId3" cstate="print">
+            <a:extLst>
+              <a:ext uri="{28A0092B-C50C-407E-A947-70E740481C1C}">
+                <a14:useLocalDpi xmlns:a14="http://schemas.microsoft.com/office/drawing/2010/main" val="0"/>
+              </a:ext>
+            </a:extLst>
+          </a:blip>
+          <a:srcRect/>
+          <a:stretch>
+            <a:fillRect/>
+          </a:stretch>
+        </p:blipFill>
+        <p:spPr bwMode="auto">
+          <a:xfrm>
+            <a:off x="771642" y="3055434"/>
+            <a:ext cx="1995933" cy="649207"/>
+          </a:xfrm>
+          <a:prstGeom prst="rect">
+            <a:avLst/>
+          </a:prstGeom>
+          <a:noFill/>
+          <a:ln>
+            <a:noFill/>
+          </a:ln>
+          <a:extLst>
+            <a:ext uri="{909E8E84-426E-40DD-AFC4-6F175D3DCCD1}">
+              <a14:hiddenFill xmlns:a14="http://schemas.microsoft.com/office/drawing/2010/main">
+                <a:solidFill>
+                  <a:schemeClr val="accent1"/>
+                </a:solidFill>
+              </a14:hiddenFill>
+            </a:ext>
+            <a:ext uri="{91240B29-F687-4F45-9708-019B960494DF}">
+              <a14:hiddenLine xmlns:a14="http://schemas.microsoft.com/office/drawing/2010/main" w="9525">
+                <a:solidFill>
+                  <a:schemeClr val="tx1"/>
+                </a:solidFill>
+                <a:miter lim="800000"/>
+                <a:headEnd/>
+                <a:tailEnd/>
+              </a14:hiddenLine>
+            </a:ext>
+          </a:extLst>
+        </p:spPr>
+      </p:pic>
+      <p:sp>
+        <p:nvSpPr>
+          <p:cNvPr id="10" name="Title 3"/>
+          <p:cNvSpPr txBox="1">
+            <a:spLocks/>
+          </p:cNvSpPr>
+          <p:nvPr/>
+        </p:nvSpPr>
+        <p:spPr>
+          <a:xfrm>
+            <a:off x="4265709" y="1892939"/>
+            <a:ext cx="3236329" cy="825012"/>
+          </a:xfrm>
+          <a:prstGeom prst="rect">
+            <a:avLst/>
+          </a:prstGeom>
+        </p:spPr>
+        <p:txBody>
+          <a:bodyPr vert="horz" lIns="91440" tIns="45720" rIns="91440" bIns="45720" rtlCol="0" anchor="t">
+            <a:normAutofit fontScale="82500" lnSpcReduction="10000"/>
+          </a:bodyPr>
+          <a:lstStyle>
+            <a:lvl1pPr algn="ctr" defTabSz="914400">
+              <a:lnSpc>
+                <a:spcPct val="90000"/>
+              </a:lnSpc>
+              <a:spcBef>
+                <a:spcPct val="0"/>
+              </a:spcBef>
+              <a:buNone/>
+              <a:defRPr sz="3200" b="0" i="0" cap="all">
+                <a:effectLst/>
+                <a:latin typeface="+mj-lt"/>
+                <a:ea typeface="+mj-ea"/>
+                <a:cs typeface="+mj-cs"/>
+              </a:defRPr>
+            </a:lvl1pPr>
+          </a:lstStyle>
+          <a:p>
+            <a:r>
+              <a:rPr lang="en-GB" dirty="0"/>
+              <a:t>Design </a:t>
+            </a:r>
+          </a:p>
+          <a:p>
+            <a:r>
+              <a:rPr lang="en-GB" dirty="0"/>
+              <a:t>{UI, UX, Art, Logo}</a:t>
+            </a:r>
+          </a:p>
+        </p:txBody>
+      </p:sp>
+      <p:pic>
+        <p:nvPicPr>
+          <p:cNvPr id="11" name="Picture 3"/>
+          <p:cNvPicPr>
+            <a:picLocks noChangeAspect="1" noChangeArrowheads="1"/>
+          </p:cNvPicPr>
+          <p:nvPr/>
+        </p:nvPicPr>
+        <p:blipFill>
+          <a:blip r:embed="rId4" cstate="print">
+            <a:extLst>
+              <a:ext uri="{28A0092B-C50C-407E-A947-70E740481C1C}">
+                <a14:useLocalDpi xmlns:a14="http://schemas.microsoft.com/office/drawing/2010/main" val="0"/>
+              </a:ext>
+            </a:extLst>
+          </a:blip>
+          <a:srcRect/>
+          <a:stretch>
+            <a:fillRect/>
+          </a:stretch>
+        </p:blipFill>
+        <p:spPr bwMode="auto">
+          <a:xfrm>
+            <a:off x="4712817" y="2782229"/>
+            <a:ext cx="2739361" cy="916593"/>
+          </a:xfrm>
+          <a:prstGeom prst="rect">
+            <a:avLst/>
+          </a:prstGeom>
+          <a:noFill/>
+          <a:ln>
+            <a:noFill/>
+          </a:ln>
+          <a:extLst>
+            <a:ext uri="{909E8E84-426E-40DD-AFC4-6F175D3DCCD1}">
+              <a14:hiddenFill xmlns:a14="http://schemas.microsoft.com/office/drawing/2010/main">
+                <a:solidFill>
+                  <a:schemeClr val="accent1"/>
+                </a:solidFill>
+              </a14:hiddenFill>
+            </a:ext>
+            <a:ext uri="{91240B29-F687-4F45-9708-019B960494DF}">
+              <a14:hiddenLine xmlns:a14="http://schemas.microsoft.com/office/drawing/2010/main" w="9525">
+                <a:solidFill>
+                  <a:schemeClr val="tx1"/>
+                </a:solidFill>
+                <a:miter lim="800000"/>
+                <a:headEnd/>
+                <a:tailEnd/>
+              </a14:hiddenLine>
+            </a:ext>
+          </a:extLst>
+        </p:spPr>
+      </p:pic>
+      <p:sp>
+        <p:nvSpPr>
+          <p:cNvPr id="12" name="Title 3"/>
+          <p:cNvSpPr txBox="1">
+            <a:spLocks/>
+          </p:cNvSpPr>
+          <p:nvPr/>
+        </p:nvSpPr>
+        <p:spPr>
+          <a:xfrm>
+            <a:off x="8411090" y="1729977"/>
+            <a:ext cx="3236329" cy="825012"/>
+          </a:xfrm>
+          <a:prstGeom prst="rect">
+            <a:avLst/>
+          </a:prstGeom>
+        </p:spPr>
+        <p:txBody>
+          <a:bodyPr vert="horz" lIns="0" tIns="0" rIns="0" bIns="0" rtlCol="0" anchor="t" anchorCtr="0">
+            <a:noAutofit/>
+          </a:bodyPr>
+          <a:lstStyle>
+            <a:lvl1pPr algn="l" defTabSz="914400" rtl="0" eaLnBrk="1" latinLnBrk="0" hangingPunct="1">
+              <a:spcBef>
+                <a:spcPct val="0"/>
+              </a:spcBef>
+              <a:buNone/>
+              <a:defRPr sz="2400" b="1" kern="1200">
+                <a:solidFill>
+                  <a:schemeClr val="accent1"/>
+                </a:solidFill>
+                <a:latin typeface="Vodafone Rg" pitchFamily="34" charset="0"/>
+                <a:ea typeface="+mj-ea"/>
+                <a:cs typeface="+mj-cs"/>
+              </a:defRPr>
+            </a:lvl1pPr>
+          </a:lstStyle>
+          <a:p>
+            <a:pPr algn="ctr"/>
+            <a:r>
+              <a:rPr lang="en-GB" sz="3200" dirty="0"/>
+              <a:t>Write</a:t>
+            </a:r>
+          </a:p>
+          <a:p>
+            <a:pPr algn="ctr"/>
+            <a:r>
+              <a:rPr lang="en-GB" sz="3200" dirty="0"/>
+              <a:t>{Blog/Books}</a:t>
+            </a:r>
+          </a:p>
+        </p:txBody>
+      </p:sp>
+      <p:pic>
+        <p:nvPicPr>
+          <p:cNvPr id="13" name="Picture 8"/>
+          <p:cNvPicPr>
+            <a:picLocks noChangeAspect="1" noChangeArrowheads="1"/>
+          </p:cNvPicPr>
+          <p:nvPr/>
+        </p:nvPicPr>
+        <p:blipFill>
+          <a:blip r:embed="rId5" cstate="print">
+            <a:extLst>
+              <a:ext uri="{28A0092B-C50C-407E-A947-70E740481C1C}">
+                <a14:useLocalDpi xmlns:a14="http://schemas.microsoft.com/office/drawing/2010/main" val="0"/>
+              </a:ext>
+            </a:extLst>
+          </a:blip>
+          <a:srcRect/>
+          <a:stretch>
+            <a:fillRect/>
+          </a:stretch>
+        </p:blipFill>
+        <p:spPr bwMode="auto">
+          <a:xfrm>
+            <a:off x="8877192" y="2710443"/>
+            <a:ext cx="2511125" cy="623656"/>
+          </a:xfrm>
+          <a:prstGeom prst="rect">
+            <a:avLst/>
+          </a:prstGeom>
+          <a:noFill/>
+          <a:ln>
+            <a:noFill/>
+          </a:ln>
+          <a:extLst>
+            <a:ext uri="{909E8E84-426E-40DD-AFC4-6F175D3DCCD1}">
+              <a14:hiddenFill xmlns:a14="http://schemas.microsoft.com/office/drawing/2010/main">
+                <a:solidFill>
+                  <a:schemeClr val="accent1"/>
+                </a:solidFill>
+              </a14:hiddenFill>
+            </a:ext>
+            <a:ext uri="{91240B29-F687-4F45-9708-019B960494DF}">
+              <a14:hiddenLine xmlns:a14="http://schemas.microsoft.com/office/drawing/2010/main" w="9525">
+                <a:solidFill>
+                  <a:schemeClr val="tx1"/>
+                </a:solidFill>
+                <a:miter lim="800000"/>
+                <a:headEnd/>
+                <a:tailEnd/>
+              </a14:hiddenLine>
+            </a:ext>
+          </a:extLst>
+        </p:spPr>
+      </p:pic>
+      <p:pic>
+        <p:nvPicPr>
+          <p:cNvPr id="28674" name="Picture 2" descr="https://images-na.ssl-images-amazon.com/images/G/01/otp/general/kdp-logo-stacked-a.gif"/>
+          <p:cNvPicPr>
+            <a:picLocks noChangeAspect="1" noChangeArrowheads="1"/>
+          </p:cNvPicPr>
+          <p:nvPr/>
+        </p:nvPicPr>
+        <p:blipFill>
+          <a:blip r:embed="rId6">
+            <a:extLst>
+              <a:ext uri="{28A0092B-C50C-407E-A947-70E740481C1C}">
+                <a14:useLocalDpi xmlns:a14="http://schemas.microsoft.com/office/drawing/2010/main" val="0"/>
+              </a:ext>
+            </a:extLst>
+          </a:blip>
+          <a:srcRect/>
+          <a:stretch>
+            <a:fillRect/>
+          </a:stretch>
+        </p:blipFill>
+        <p:spPr bwMode="auto">
+          <a:xfrm>
+            <a:off x="8919906" y="3278721"/>
+            <a:ext cx="2425700" cy="812800"/>
+          </a:xfrm>
+          <a:prstGeom prst="rect">
+            <a:avLst/>
+          </a:prstGeom>
+          <a:noFill/>
+          <a:extLst>
+            <a:ext uri="{909E8E84-426E-40DD-AFC4-6F175D3DCCD1}">
+              <a14:hiddenFill xmlns:a14="http://schemas.microsoft.com/office/drawing/2010/main">
+                <a:solidFill>
+                  <a:srgbClr val="FFFFFF"/>
+                </a:solidFill>
+              </a14:hiddenFill>
+            </a:ext>
+          </a:extLst>
+        </p:spPr>
+      </p:pic>
+      <p:sp>
+        <p:nvSpPr>
+          <p:cNvPr id="14" name="Title 3"/>
+          <p:cNvSpPr txBox="1">
+            <a:spLocks/>
+          </p:cNvSpPr>
+          <p:nvPr/>
+        </p:nvSpPr>
+        <p:spPr>
+          <a:xfrm>
+            <a:off x="1981644" y="4207191"/>
+            <a:ext cx="3236329" cy="825012"/>
+          </a:xfrm>
+          <a:prstGeom prst="rect">
+            <a:avLst/>
+          </a:prstGeom>
+        </p:spPr>
+        <p:txBody>
+          <a:bodyPr vert="horz" lIns="0" tIns="0" rIns="0" bIns="0" rtlCol="0" anchor="t" anchorCtr="0">
+            <a:noAutofit/>
+          </a:bodyPr>
+          <a:lstStyle>
+            <a:lvl1pPr algn="l" defTabSz="914400" rtl="0" eaLnBrk="1" latinLnBrk="0" hangingPunct="1">
+              <a:spcBef>
+                <a:spcPct val="0"/>
+              </a:spcBef>
+              <a:buNone/>
+              <a:defRPr sz="2400" b="1" kern="1200">
+                <a:solidFill>
+                  <a:schemeClr val="accent1"/>
+                </a:solidFill>
+                <a:latin typeface="Vodafone Rg" pitchFamily="34" charset="0"/>
+                <a:ea typeface="+mj-ea"/>
+                <a:cs typeface="+mj-cs"/>
+              </a:defRPr>
+            </a:lvl1pPr>
+          </a:lstStyle>
+          <a:p>
+            <a:pPr algn="ctr"/>
+            <a:r>
+              <a:rPr lang="en-US" sz="3200" dirty="0"/>
+              <a:t>Publish</a:t>
+            </a:r>
+            <a:endParaRPr lang="en-GB" sz="3200" dirty="0"/>
+          </a:p>
+          <a:p>
+            <a:pPr algn="ctr"/>
+            <a:r>
+              <a:rPr lang="en-GB" sz="3200" dirty="0"/>
+              <a:t>{Podcast/Videos}</a:t>
+            </a:r>
+          </a:p>
+        </p:txBody>
+      </p:sp>
+      <p:pic>
+        <p:nvPicPr>
+          <p:cNvPr id="28676" name="Picture 4" descr="Image result for podcast logo"/>
+          <p:cNvPicPr>
+            <a:picLocks noChangeAspect="1" noChangeArrowheads="1"/>
+          </p:cNvPicPr>
+          <p:nvPr/>
+        </p:nvPicPr>
+        <p:blipFill>
+          <a:blip r:embed="rId7" cstate="print">
+            <a:extLst>
+              <a:ext uri="{28A0092B-C50C-407E-A947-70E740481C1C}">
+                <a14:useLocalDpi xmlns:a14="http://schemas.microsoft.com/office/drawing/2010/main" val="0"/>
+              </a:ext>
+            </a:extLst>
+          </a:blip>
+          <a:srcRect/>
+          <a:stretch>
+            <a:fillRect/>
+          </a:stretch>
+        </p:blipFill>
+        <p:spPr bwMode="auto">
+          <a:xfrm>
+            <a:off x="2346583" y="5436551"/>
+            <a:ext cx="1156936" cy="1018795"/>
+          </a:xfrm>
+          <a:prstGeom prst="rect">
+            <a:avLst/>
+          </a:prstGeom>
+          <a:noFill/>
+          <a:extLst>
+            <a:ext uri="{909E8E84-426E-40DD-AFC4-6F175D3DCCD1}">
+              <a14:hiddenFill xmlns:a14="http://schemas.microsoft.com/office/drawing/2010/main">
+                <a:solidFill>
+                  <a:srgbClr val="FFFFFF"/>
+                </a:solidFill>
+              </a14:hiddenFill>
+            </a:ext>
+          </a:extLst>
+        </p:spPr>
+      </p:pic>
+      <p:pic>
+        <p:nvPicPr>
+          <p:cNvPr id="28677" name="Picture 5"/>
+          <p:cNvPicPr>
+            <a:picLocks noChangeAspect="1" noChangeArrowheads="1"/>
+          </p:cNvPicPr>
+          <p:nvPr/>
+        </p:nvPicPr>
+        <p:blipFill>
+          <a:blip r:embed="rId8" cstate="print">
+            <a:extLst>
+              <a:ext uri="{28A0092B-C50C-407E-A947-70E740481C1C}">
+                <a14:useLocalDpi xmlns:a14="http://schemas.microsoft.com/office/drawing/2010/main" val="0"/>
+              </a:ext>
+            </a:extLst>
+          </a:blip>
+          <a:srcRect/>
+          <a:stretch>
+            <a:fillRect/>
+          </a:stretch>
+        </p:blipFill>
+        <p:spPr bwMode="auto">
+          <a:xfrm>
+            <a:off x="3515721" y="5558971"/>
+            <a:ext cx="1064660" cy="773955"/>
+          </a:xfrm>
+          <a:prstGeom prst="rect">
+            <a:avLst/>
+          </a:prstGeom>
+          <a:noFill/>
+          <a:ln>
+            <a:noFill/>
+          </a:ln>
+          <a:extLst>
+            <a:ext uri="{909E8E84-426E-40DD-AFC4-6F175D3DCCD1}">
+              <a14:hiddenFill xmlns:a14="http://schemas.microsoft.com/office/drawing/2010/main">
+                <a:solidFill>
+                  <a:schemeClr val="accent1"/>
+                </a:solidFill>
+              </a14:hiddenFill>
+            </a:ext>
+            <a:ext uri="{91240B29-F687-4F45-9708-019B960494DF}">
+              <a14:hiddenLine xmlns:a14="http://schemas.microsoft.com/office/drawing/2010/main" w="9525">
+                <a:solidFill>
+                  <a:schemeClr val="tx1"/>
+                </a:solidFill>
+                <a:miter lim="800000"/>
+                <a:headEnd/>
+                <a:tailEnd/>
+              </a14:hiddenLine>
+            </a:ext>
+          </a:extLst>
+        </p:spPr>
+      </p:pic>
+      <p:sp>
+        <p:nvSpPr>
+          <p:cNvPr id="16" name="Title 3"/>
+          <p:cNvSpPr txBox="1">
+            <a:spLocks/>
+          </p:cNvSpPr>
+          <p:nvPr/>
+        </p:nvSpPr>
+        <p:spPr>
+          <a:xfrm>
+            <a:off x="6268606" y="4386293"/>
+            <a:ext cx="3236329" cy="825012"/>
+          </a:xfrm>
+          <a:prstGeom prst="rect">
+            <a:avLst/>
+          </a:prstGeom>
+        </p:spPr>
+        <p:txBody>
+          <a:bodyPr vert="horz" lIns="0" tIns="0" rIns="0" bIns="0" rtlCol="0" anchor="t" anchorCtr="0">
+            <a:noAutofit/>
+          </a:bodyPr>
+          <a:lstStyle>
+            <a:lvl1pPr algn="l" defTabSz="914400" rtl="0" eaLnBrk="1" latinLnBrk="0" hangingPunct="1">
+              <a:spcBef>
+                <a:spcPct val="0"/>
+              </a:spcBef>
+              <a:buNone/>
+              <a:defRPr sz="2400" b="1" kern="1200">
+                <a:solidFill>
+                  <a:schemeClr val="accent1"/>
+                </a:solidFill>
+                <a:latin typeface="Vodafone Rg" pitchFamily="34" charset="0"/>
+                <a:ea typeface="+mj-ea"/>
+                <a:cs typeface="+mj-cs"/>
+              </a:defRPr>
+            </a:lvl1pPr>
+          </a:lstStyle>
+          <a:p>
+            <a:pPr algn="ctr"/>
+            <a:r>
+              <a:rPr lang="en-US" sz="3200" dirty="0"/>
+              <a:t>Build &amp; Sell</a:t>
+            </a:r>
+            <a:endParaRPr lang="en-GB" sz="3200" dirty="0"/>
+          </a:p>
+          <a:p>
+            <a:pPr algn="ctr"/>
+            <a:r>
+              <a:rPr lang="en-GB" sz="3200" dirty="0"/>
+              <a:t>{Kits/Products}</a:t>
+            </a:r>
+          </a:p>
+        </p:txBody>
+      </p:sp>
+      <p:pic>
+        <p:nvPicPr>
+          <p:cNvPr id="28679" name="Picture 7" descr="https://www.brandsoftheworld.com/sites/default/files/styles/logo-thumbnail/public/112013/kickstarter-logo-light.png?itok=txntiR1h"/>
+          <p:cNvPicPr>
+            <a:picLocks noChangeAspect="1" noChangeArrowheads="1"/>
+          </p:cNvPicPr>
+          <p:nvPr/>
+        </p:nvPicPr>
+        <p:blipFill rotWithShape="1">
+          <a:blip r:embed="rId9" cstate="print">
+            <a:extLst>
+              <a:ext uri="{28A0092B-C50C-407E-A947-70E740481C1C}">
+                <a14:useLocalDpi xmlns:a14="http://schemas.microsoft.com/office/drawing/2010/main" val="0"/>
+              </a:ext>
+            </a:extLst>
+          </a:blip>
+          <a:srcRect/>
+          <a:stretch/>
+        </p:blipFill>
+        <p:spPr bwMode="auto">
+          <a:xfrm>
+            <a:off x="6648519" y="5381520"/>
+            <a:ext cx="2476500" cy="788457"/>
+          </a:xfrm>
+          <a:prstGeom prst="rect">
+            <a:avLst/>
+          </a:prstGeom>
+          <a:noFill/>
+          <a:extLst>
+            <a:ext uri="{909E8E84-426E-40DD-AFC4-6F175D3DCCD1}">
+              <a14:hiddenFill xmlns:a14="http://schemas.microsoft.com/office/drawing/2010/main">
+                <a:solidFill>
+                  <a:srgbClr val="FFFFFF"/>
+                </a:solidFill>
+              </a14:hiddenFill>
+            </a:ext>
+          </a:extLst>
+        </p:spPr>
+      </p:pic>
+    </p:spTree>
+    <p:extLst>
+      <p:ext uri="{BB962C8B-B14F-4D97-AF65-F5344CB8AC3E}">
+        <p14:creationId xmlns:p14="http://schemas.microsoft.com/office/powerpoint/2010/main" val="1392103041"/>
+      </p:ext>
+    </p:extLst>
+  </p:cSld>
+  <p:clrMapOvr>
+    <a:masterClrMapping/>
+  </p:clrMapOvr>
+  <p:transition spd="slow">
+    <p:wipe dir="r"/>
+  </p:transition>
+</p:sld>
+</file>
+
+<file path=ppt/slides/slide11.xml><?xml version="1.0" encoding="utf-8"?>
+<p:sld xmlns:a="http://schemas.openxmlformats.org/drawingml/2006/main" xmlns:r="http://schemas.openxmlformats.org/officeDocument/2006/relationships" xmlns:p="http://schemas.openxmlformats.org/presentationml/2006/main">
+  <p:cSld>
+    <p:spTree>
+      <p:nvGrpSpPr>
+        <p:cNvPr id="1" name=""/>
+        <p:cNvGrpSpPr/>
+        <p:nvPr/>
+      </p:nvGrpSpPr>
+      <p:grpSpPr>
+        <a:xfrm>
+          <a:off x="0" y="0"/>
+          <a:ext cx="0" cy="0"/>
+          <a:chOff x="0" y="0"/>
+          <a:chExt cx="0" cy="0"/>
+        </a:xfrm>
+      </p:grpSpPr>
+      <p:sp>
+        <p:nvSpPr>
           <p:cNvPr id="4" name="Title 3"/>
           <p:cNvSpPr>
             <a:spLocks noGrp="1"/>
@@ -5306,19 +5978,7 @@
               <a:rPr lang="en-US" dirty="0">
                 <a:hlinkClick r:id="rId3"/>
               </a:rPr>
-              <a:t>ht</a:t>
-            </a:r>
-            <a:r>
-              <a:rPr lang="en-US" dirty="0">
-                <a:hlinkClick r:id="rId3"/>
-              </a:rPr>
-              <a:t>t</a:t>
-            </a:r>
-            <a:r>
-              <a:rPr lang="en-US" dirty="0">
-                <a:hlinkClick r:id="rId3"/>
-              </a:rPr>
-              <a:t>ps://www.slideshare.net/DZPM/the-zen-ofpython</a:t>
+              <a:t>https://www.slideshare.net/DZPM/the-zen-ofpython</a:t>
             </a:r>
             <a:endParaRPr lang="en-US" dirty="0"/>
           </a:p>
@@ -5790,7 +6450,7 @@
           <p:cNvPr id="2" name="Title 1">
             <a:extLst>
               <a:ext uri="{FF2B5EF4-FFF2-40B4-BE49-F238E27FC236}">
-                <a16:creationId xmlns:a16="http://schemas.microsoft.com/office/drawing/2014/main" id="{E92D8EFE-4D1E-5B4A-905B-645FD98E2062}"/>
+                <a16:creationId xmlns:a16="http://schemas.microsoft.com/office/drawing/2014/main" id="{ABE8B593-0ABB-7642-B90E-F3895B775AB8}"/>
               </a:ext>
             </a:extLst>
           </p:cNvPr>
@@ -5798,33 +6458,126 @@
             <a:spLocks noGrp="1"/>
           </p:cNvSpPr>
           <p:nvPr>
-            <p:ph type="ctrTitle"/>
-          </p:nvPr>
-        </p:nvSpPr>
-        <p:spPr>
-          <a:xfrm>
-            <a:off x="2098465" y="887569"/>
-            <a:ext cx="8637073" cy="2541431"/>
-          </a:xfrm>
-        </p:spPr>
-        <p:txBody>
-          <a:bodyPr>
-            <a:normAutofit/>
+            <p:ph type="title"/>
+          </p:nvPr>
+        </p:nvSpPr>
+        <p:spPr/>
+        <p:txBody>
+          <a:bodyPr/>
+          <a:lstStyle/>
+          <a:p>
+            <a:r>
+              <a:rPr lang="en-US" dirty="0"/>
+              <a:t>Some words</a:t>
+            </a:r>
+          </a:p>
+        </p:txBody>
+      </p:sp>
+      <p:sp>
+        <p:nvSpPr>
+          <p:cNvPr id="8" name="TextBox 7">
+            <a:extLst>
+              <a:ext uri="{FF2B5EF4-FFF2-40B4-BE49-F238E27FC236}">
+                <a16:creationId xmlns:a16="http://schemas.microsoft.com/office/drawing/2014/main" id="{0119929B-A1FB-C144-8B6C-F9DA1EC89F7C}"/>
+              </a:ext>
+            </a:extLst>
+          </p:cNvPr>
+          <p:cNvSpPr txBox="1"/>
+          <p:nvPr/>
+        </p:nvSpPr>
+        <p:spPr>
+          <a:xfrm>
+            <a:off x="1538343" y="1592132"/>
+            <a:ext cx="6422315" cy="3970318"/>
+          </a:xfrm>
+          <a:prstGeom prst="rect">
+            <a:avLst/>
+          </a:prstGeom>
+          <a:noFill/>
+        </p:spPr>
+        <p:txBody>
+          <a:bodyPr wrap="square" rtlCol="0">
+            <a:spAutoFit/>
           </a:bodyPr>
           <a:lstStyle/>
           <a:p>
-            <a:pPr algn="ctr"/>
-            <a:r>
-              <a:rPr lang="en-US" dirty="0"/>
-              <a:t>CODE INTRO</a:t>
-            </a:r>
+            <a:pPr marL="285750" indent="-285750">
+              <a:buFont typeface="Arial" panose="020B0604020202020204" pitchFamily="34" charset="0"/>
+              <a:buChar char="•"/>
+            </a:pPr>
+            <a:r>
+              <a:rPr lang="en-US" sz="3600" dirty="0"/>
+              <a:t>Expressions</a:t>
+            </a:r>
+          </a:p>
+          <a:p>
+            <a:pPr marL="285750" indent="-285750">
+              <a:buFont typeface="Arial" panose="020B0604020202020204" pitchFamily="34" charset="0"/>
+              <a:buChar char="•"/>
+            </a:pPr>
+            <a:r>
+              <a:rPr lang="en-US" sz="3600" dirty="0" err="1"/>
+              <a:t>Github</a:t>
+            </a:r>
+            <a:r>
+              <a:rPr lang="en-US" sz="3600" dirty="0"/>
+              <a:t>/Gitlab</a:t>
+            </a:r>
+          </a:p>
+          <a:p>
+            <a:pPr marL="285750" indent="-285750">
+              <a:buFont typeface="Arial" panose="020B0604020202020204" pitchFamily="34" charset="0"/>
+              <a:buChar char="•"/>
+            </a:pPr>
+            <a:r>
+              <a:rPr lang="en-US" sz="3600" dirty="0"/>
+              <a:t>Terminal</a:t>
+            </a:r>
+          </a:p>
+          <a:p>
+            <a:pPr marL="285750" indent="-285750">
+              <a:buFont typeface="Arial" panose="020B0604020202020204" pitchFamily="34" charset="0"/>
+              <a:buChar char="•"/>
+            </a:pPr>
+            <a:r>
+              <a:rPr lang="en-US" sz="3600" dirty="0"/>
+              <a:t>Notebook</a:t>
+            </a:r>
+          </a:p>
+          <a:p>
+            <a:pPr marL="285750" indent="-285750">
+              <a:buFont typeface="Arial" panose="020B0604020202020204" pitchFamily="34" charset="0"/>
+              <a:buChar char="•"/>
+            </a:pPr>
+            <a:r>
+              <a:rPr lang="en-US" sz="3600" dirty="0"/>
+              <a:t>Packages</a:t>
+            </a:r>
+          </a:p>
+          <a:p>
+            <a:pPr marL="285750" indent="-285750">
+              <a:buFont typeface="Arial" panose="020B0604020202020204" pitchFamily="34" charset="0"/>
+              <a:buChar char="•"/>
+            </a:pPr>
+            <a:r>
+              <a:rPr lang="en-US" sz="3600" dirty="0" err="1"/>
+              <a:t>Stackoverflow</a:t>
+            </a:r>
+            <a:endParaRPr lang="en-US" sz="3600" dirty="0"/>
+          </a:p>
+          <a:p>
+            <a:pPr marL="285750" indent="-285750">
+              <a:buFont typeface="Arial" panose="020B0604020202020204" pitchFamily="34" charset="0"/>
+              <a:buChar char="•"/>
+            </a:pPr>
+            <a:endParaRPr lang="en-US" sz="3600" dirty="0"/>
           </a:p>
         </p:txBody>
       </p:sp>
     </p:spTree>
     <p:extLst>
       <p:ext uri="{BB962C8B-B14F-4D97-AF65-F5344CB8AC3E}">
-        <p14:creationId xmlns:p14="http://schemas.microsoft.com/office/powerpoint/2010/main" val="1800562127"/>
+        <p14:creationId xmlns:p14="http://schemas.microsoft.com/office/powerpoint/2010/main" val="956395404"/>
       </p:ext>
     </p:extLst>
   </p:cSld>
@@ -5882,6 +6635,72 @@
             <a:pPr algn="ctr"/>
             <a:r>
               <a:rPr lang="en-US" dirty="0"/>
+              <a:t>CODE INTRO</a:t>
+            </a:r>
+          </a:p>
+        </p:txBody>
+      </p:sp>
+    </p:spTree>
+    <p:extLst>
+      <p:ext uri="{BB962C8B-B14F-4D97-AF65-F5344CB8AC3E}">
+        <p14:creationId xmlns:p14="http://schemas.microsoft.com/office/powerpoint/2010/main" val="1800562127"/>
+      </p:ext>
+    </p:extLst>
+  </p:cSld>
+  <p:clrMapOvr>
+    <a:masterClrMapping/>
+  </p:clrMapOvr>
+</p:sld>
+</file>
+
+<file path=ppt/slides/slide8.xml><?xml version="1.0" encoding="utf-8"?>
+<p:sld xmlns:a="http://schemas.openxmlformats.org/drawingml/2006/main" xmlns:r="http://schemas.openxmlformats.org/officeDocument/2006/relationships" xmlns:p="http://schemas.openxmlformats.org/presentationml/2006/main">
+  <p:cSld>
+    <p:spTree>
+      <p:nvGrpSpPr>
+        <p:cNvPr id="1" name=""/>
+        <p:cNvGrpSpPr/>
+        <p:nvPr/>
+      </p:nvGrpSpPr>
+      <p:grpSpPr>
+        <a:xfrm>
+          <a:off x="0" y="0"/>
+          <a:ext cx="0" cy="0"/>
+          <a:chOff x="0" y="0"/>
+          <a:chExt cx="0" cy="0"/>
+        </a:xfrm>
+      </p:grpSpPr>
+      <p:sp>
+        <p:nvSpPr>
+          <p:cNvPr id="2" name="Title 1">
+            <a:extLst>
+              <a:ext uri="{FF2B5EF4-FFF2-40B4-BE49-F238E27FC236}">
+                <a16:creationId xmlns:a16="http://schemas.microsoft.com/office/drawing/2014/main" id="{E92D8EFE-4D1E-5B4A-905B-645FD98E2062}"/>
+              </a:ext>
+            </a:extLst>
+          </p:cNvPr>
+          <p:cNvSpPr>
+            <a:spLocks noGrp="1"/>
+          </p:cNvSpPr>
+          <p:nvPr>
+            <p:ph type="ctrTitle"/>
+          </p:nvPr>
+        </p:nvSpPr>
+        <p:spPr>
+          <a:xfrm>
+            <a:off x="2098465" y="887569"/>
+            <a:ext cx="8637073" cy="2541431"/>
+          </a:xfrm>
+        </p:spPr>
+        <p:txBody>
+          <a:bodyPr>
+            <a:normAutofit/>
+          </a:bodyPr>
+          <a:lstStyle/>
+          <a:p>
+            <a:pPr algn="ctr"/>
+            <a:r>
+              <a:rPr lang="en-US" dirty="0"/>
               <a:t>PROJECTS</a:t>
             </a:r>
           </a:p>
@@ -5900,7 +6719,7 @@
 </p:sld>
 </file>
 
-<file path=ppt/slides/slide8.xml><?xml version="1.0" encoding="utf-8"?>
+<file path=ppt/slides/slide9.xml><?xml version="1.0" encoding="utf-8"?>
 <p:sld xmlns:a="http://schemas.openxmlformats.org/drawingml/2006/main" xmlns:r="http://schemas.openxmlformats.org/officeDocument/2006/relationships" xmlns:p="http://schemas.openxmlformats.org/presentationml/2006/main">
   <p:cSld>
     <p:spTree>
@@ -6110,677 +6929,6 @@
   <p:clrMapOvr>
     <a:masterClrMapping/>
   </p:clrMapOvr>
-</p:sld>
-</file>
-
-<file path=ppt/slides/slide9.xml><?xml version="1.0" encoding="utf-8"?>
-<p:sld xmlns:a="http://schemas.openxmlformats.org/drawingml/2006/main" xmlns:r="http://schemas.openxmlformats.org/officeDocument/2006/relationships" xmlns:p="http://schemas.openxmlformats.org/presentationml/2006/main">
-  <p:cSld>
-    <p:spTree>
-      <p:nvGrpSpPr>
-        <p:cNvPr id="1" name=""/>
-        <p:cNvGrpSpPr/>
-        <p:nvPr/>
-      </p:nvGrpSpPr>
-      <p:grpSpPr>
-        <a:xfrm>
-          <a:off x="0" y="0"/>
-          <a:ext cx="0" cy="0"/>
-          <a:chOff x="0" y="0"/>
-          <a:chExt cx="0" cy="0"/>
-        </a:xfrm>
-      </p:grpSpPr>
-      <p:sp>
-        <p:nvSpPr>
-          <p:cNvPr id="7" name="Title 3"/>
-          <p:cNvSpPr txBox="1">
-            <a:spLocks/>
-          </p:cNvSpPr>
-          <p:nvPr/>
-        </p:nvSpPr>
-        <p:spPr>
-          <a:xfrm>
-            <a:off x="820761" y="129324"/>
-            <a:ext cx="6889896" cy="825012"/>
-          </a:xfrm>
-          <a:prstGeom prst="rect">
-            <a:avLst/>
-          </a:prstGeom>
-        </p:spPr>
-        <p:txBody>
-          <a:bodyPr vert="horz" lIns="0" tIns="0" rIns="0" bIns="0" rtlCol="0" anchor="t" anchorCtr="0">
-            <a:noAutofit/>
-          </a:bodyPr>
-          <a:lstStyle>
-            <a:lvl1pPr algn="l" defTabSz="914400" rtl="0" eaLnBrk="1" latinLnBrk="0" hangingPunct="1">
-              <a:spcBef>
-                <a:spcPct val="0"/>
-              </a:spcBef>
-              <a:buNone/>
-              <a:defRPr sz="2400" b="1" kern="1200">
-                <a:solidFill>
-                  <a:schemeClr val="accent1"/>
-                </a:solidFill>
-                <a:latin typeface="Vodafone Rg" pitchFamily="34" charset="0"/>
-                <a:ea typeface="+mj-ea"/>
-                <a:cs typeface="+mj-cs"/>
-              </a:defRPr>
-            </a:lvl1pPr>
-          </a:lstStyle>
-          <a:p>
-            <a:r>
-              <a:rPr lang="en-GB" sz="4800" b="0" cap="all" dirty="0">
-                <a:solidFill>
-                  <a:schemeClr val="tx1"/>
-                </a:solidFill>
-                <a:latin typeface="+mj-lt"/>
-              </a:rPr>
-              <a:t>Showcase</a:t>
-            </a:r>
-            <a:endParaRPr lang="en-GB" sz="7200" dirty="0"/>
-          </a:p>
-        </p:txBody>
-      </p:sp>
-      <p:sp>
-        <p:nvSpPr>
-          <p:cNvPr id="5" name="Title 3"/>
-          <p:cNvSpPr>
-            <a:spLocks noGrp="1"/>
-          </p:cNvSpPr>
-          <p:nvPr>
-            <p:ph type="title"/>
-          </p:nvPr>
-        </p:nvSpPr>
-        <p:spPr>
-          <a:xfrm>
-            <a:off x="313973" y="1825802"/>
-            <a:ext cx="2809384" cy="825012"/>
-          </a:xfrm>
-        </p:spPr>
-        <p:txBody>
-          <a:bodyPr>
-            <a:normAutofit fontScale="90000"/>
-          </a:bodyPr>
-          <a:lstStyle/>
-          <a:p>
-            <a:pPr algn="ctr"/>
-            <a:r>
-              <a:rPr lang="en-GB" dirty="0"/>
-              <a:t>Code </a:t>
-            </a:r>
-            <a:br>
-              <a:rPr lang="en-GB" dirty="0"/>
-            </a:br>
-            <a:r>
-              <a:rPr lang="en-GB" dirty="0"/>
-              <a:t>{Projects}</a:t>
-            </a:r>
-          </a:p>
-        </p:txBody>
-      </p:sp>
-      <p:pic>
-        <p:nvPicPr>
-          <p:cNvPr id="9" name="Picture 2"/>
-          <p:cNvPicPr>
-            <a:picLocks noChangeAspect="1" noChangeArrowheads="1"/>
-          </p:cNvPicPr>
-          <p:nvPr/>
-        </p:nvPicPr>
-        <p:blipFill>
-          <a:blip r:embed="rId3" cstate="print">
-            <a:extLst>
-              <a:ext uri="{28A0092B-C50C-407E-A947-70E740481C1C}">
-                <a14:useLocalDpi xmlns:a14="http://schemas.microsoft.com/office/drawing/2010/main" val="0"/>
-              </a:ext>
-            </a:extLst>
-          </a:blip>
-          <a:srcRect/>
-          <a:stretch>
-            <a:fillRect/>
-          </a:stretch>
-        </p:blipFill>
-        <p:spPr bwMode="auto">
-          <a:xfrm>
-            <a:off x="771642" y="3055434"/>
-            <a:ext cx="1995933" cy="649207"/>
-          </a:xfrm>
-          <a:prstGeom prst="rect">
-            <a:avLst/>
-          </a:prstGeom>
-          <a:noFill/>
-          <a:ln>
-            <a:noFill/>
-          </a:ln>
-          <a:extLst>
-            <a:ext uri="{909E8E84-426E-40DD-AFC4-6F175D3DCCD1}">
-              <a14:hiddenFill xmlns:a14="http://schemas.microsoft.com/office/drawing/2010/main">
-                <a:solidFill>
-                  <a:schemeClr val="accent1"/>
-                </a:solidFill>
-              </a14:hiddenFill>
-            </a:ext>
-            <a:ext uri="{91240B29-F687-4F45-9708-019B960494DF}">
-              <a14:hiddenLine xmlns:a14="http://schemas.microsoft.com/office/drawing/2010/main" w="9525">
-                <a:solidFill>
-                  <a:schemeClr val="tx1"/>
-                </a:solidFill>
-                <a:miter lim="800000"/>
-                <a:headEnd/>
-                <a:tailEnd/>
-              </a14:hiddenLine>
-            </a:ext>
-          </a:extLst>
-        </p:spPr>
-      </p:pic>
-      <p:sp>
-        <p:nvSpPr>
-          <p:cNvPr id="10" name="Title 3"/>
-          <p:cNvSpPr txBox="1">
-            <a:spLocks/>
-          </p:cNvSpPr>
-          <p:nvPr/>
-        </p:nvSpPr>
-        <p:spPr>
-          <a:xfrm>
-            <a:off x="4265709" y="1892939"/>
-            <a:ext cx="3236329" cy="825012"/>
-          </a:xfrm>
-          <a:prstGeom prst="rect">
-            <a:avLst/>
-          </a:prstGeom>
-        </p:spPr>
-        <p:txBody>
-          <a:bodyPr vert="horz" lIns="91440" tIns="45720" rIns="91440" bIns="45720" rtlCol="0" anchor="t">
-            <a:normAutofit fontScale="82500" lnSpcReduction="10000"/>
-          </a:bodyPr>
-          <a:lstStyle>
-            <a:lvl1pPr algn="ctr" defTabSz="914400">
-              <a:lnSpc>
-                <a:spcPct val="90000"/>
-              </a:lnSpc>
-              <a:spcBef>
-                <a:spcPct val="0"/>
-              </a:spcBef>
-              <a:buNone/>
-              <a:defRPr sz="3200" b="0" i="0" cap="all">
-                <a:effectLst/>
-                <a:latin typeface="+mj-lt"/>
-                <a:ea typeface="+mj-ea"/>
-                <a:cs typeface="+mj-cs"/>
-              </a:defRPr>
-            </a:lvl1pPr>
-          </a:lstStyle>
-          <a:p>
-            <a:r>
-              <a:rPr lang="en-GB" dirty="0"/>
-              <a:t>Design </a:t>
-            </a:r>
-          </a:p>
-          <a:p>
-            <a:r>
-              <a:rPr lang="en-GB" dirty="0"/>
-              <a:t>{UI, UX, Art, Logo}</a:t>
-            </a:r>
-          </a:p>
-        </p:txBody>
-      </p:sp>
-      <p:pic>
-        <p:nvPicPr>
-          <p:cNvPr id="11" name="Picture 3"/>
-          <p:cNvPicPr>
-            <a:picLocks noChangeAspect="1" noChangeArrowheads="1"/>
-          </p:cNvPicPr>
-          <p:nvPr/>
-        </p:nvPicPr>
-        <p:blipFill>
-          <a:blip r:embed="rId4" cstate="print">
-            <a:extLst>
-              <a:ext uri="{28A0092B-C50C-407E-A947-70E740481C1C}">
-                <a14:useLocalDpi xmlns:a14="http://schemas.microsoft.com/office/drawing/2010/main" val="0"/>
-              </a:ext>
-            </a:extLst>
-          </a:blip>
-          <a:srcRect/>
-          <a:stretch>
-            <a:fillRect/>
-          </a:stretch>
-        </p:blipFill>
-        <p:spPr bwMode="auto">
-          <a:xfrm>
-            <a:off x="4712817" y="2782229"/>
-            <a:ext cx="2739361" cy="916593"/>
-          </a:xfrm>
-          <a:prstGeom prst="rect">
-            <a:avLst/>
-          </a:prstGeom>
-          <a:noFill/>
-          <a:ln>
-            <a:noFill/>
-          </a:ln>
-          <a:extLst>
-            <a:ext uri="{909E8E84-426E-40DD-AFC4-6F175D3DCCD1}">
-              <a14:hiddenFill xmlns:a14="http://schemas.microsoft.com/office/drawing/2010/main">
-                <a:solidFill>
-                  <a:schemeClr val="accent1"/>
-                </a:solidFill>
-              </a14:hiddenFill>
-            </a:ext>
-            <a:ext uri="{91240B29-F687-4F45-9708-019B960494DF}">
-              <a14:hiddenLine xmlns:a14="http://schemas.microsoft.com/office/drawing/2010/main" w="9525">
-                <a:solidFill>
-                  <a:schemeClr val="tx1"/>
-                </a:solidFill>
-                <a:miter lim="800000"/>
-                <a:headEnd/>
-                <a:tailEnd/>
-              </a14:hiddenLine>
-            </a:ext>
-          </a:extLst>
-        </p:spPr>
-      </p:pic>
-      <p:sp>
-        <p:nvSpPr>
-          <p:cNvPr id="12" name="Title 3"/>
-          <p:cNvSpPr txBox="1">
-            <a:spLocks/>
-          </p:cNvSpPr>
-          <p:nvPr/>
-        </p:nvSpPr>
-        <p:spPr>
-          <a:xfrm>
-            <a:off x="8411090" y="1729977"/>
-            <a:ext cx="3236329" cy="825012"/>
-          </a:xfrm>
-          <a:prstGeom prst="rect">
-            <a:avLst/>
-          </a:prstGeom>
-        </p:spPr>
-        <p:txBody>
-          <a:bodyPr vert="horz" lIns="0" tIns="0" rIns="0" bIns="0" rtlCol="0" anchor="t" anchorCtr="0">
-            <a:noAutofit/>
-          </a:bodyPr>
-          <a:lstStyle>
-            <a:lvl1pPr algn="l" defTabSz="914400" rtl="0" eaLnBrk="1" latinLnBrk="0" hangingPunct="1">
-              <a:spcBef>
-                <a:spcPct val="0"/>
-              </a:spcBef>
-              <a:buNone/>
-              <a:defRPr sz="2400" b="1" kern="1200">
-                <a:solidFill>
-                  <a:schemeClr val="accent1"/>
-                </a:solidFill>
-                <a:latin typeface="Vodafone Rg" pitchFamily="34" charset="0"/>
-                <a:ea typeface="+mj-ea"/>
-                <a:cs typeface="+mj-cs"/>
-              </a:defRPr>
-            </a:lvl1pPr>
-          </a:lstStyle>
-          <a:p>
-            <a:pPr algn="ctr"/>
-            <a:r>
-              <a:rPr lang="en-GB" sz="3200" dirty="0"/>
-              <a:t>Write</a:t>
-            </a:r>
-          </a:p>
-          <a:p>
-            <a:pPr algn="ctr"/>
-            <a:r>
-              <a:rPr lang="en-GB" sz="3200" dirty="0"/>
-              <a:t>{Blog/Books}</a:t>
-            </a:r>
-          </a:p>
-        </p:txBody>
-      </p:sp>
-      <p:pic>
-        <p:nvPicPr>
-          <p:cNvPr id="13" name="Picture 8"/>
-          <p:cNvPicPr>
-            <a:picLocks noChangeAspect="1" noChangeArrowheads="1"/>
-          </p:cNvPicPr>
-          <p:nvPr/>
-        </p:nvPicPr>
-        <p:blipFill>
-          <a:blip r:embed="rId5" cstate="print">
-            <a:extLst>
-              <a:ext uri="{28A0092B-C50C-407E-A947-70E740481C1C}">
-                <a14:useLocalDpi xmlns:a14="http://schemas.microsoft.com/office/drawing/2010/main" val="0"/>
-              </a:ext>
-            </a:extLst>
-          </a:blip>
-          <a:srcRect/>
-          <a:stretch>
-            <a:fillRect/>
-          </a:stretch>
-        </p:blipFill>
-        <p:spPr bwMode="auto">
-          <a:xfrm>
-            <a:off x="8877192" y="2710443"/>
-            <a:ext cx="2511125" cy="623656"/>
-          </a:xfrm>
-          <a:prstGeom prst="rect">
-            <a:avLst/>
-          </a:prstGeom>
-          <a:noFill/>
-          <a:ln>
-            <a:noFill/>
-          </a:ln>
-          <a:extLst>
-            <a:ext uri="{909E8E84-426E-40DD-AFC4-6F175D3DCCD1}">
-              <a14:hiddenFill xmlns:a14="http://schemas.microsoft.com/office/drawing/2010/main">
-                <a:solidFill>
-                  <a:schemeClr val="accent1"/>
-                </a:solidFill>
-              </a14:hiddenFill>
-            </a:ext>
-            <a:ext uri="{91240B29-F687-4F45-9708-019B960494DF}">
-              <a14:hiddenLine xmlns:a14="http://schemas.microsoft.com/office/drawing/2010/main" w="9525">
-                <a:solidFill>
-                  <a:schemeClr val="tx1"/>
-                </a:solidFill>
-                <a:miter lim="800000"/>
-                <a:headEnd/>
-                <a:tailEnd/>
-              </a14:hiddenLine>
-            </a:ext>
-          </a:extLst>
-        </p:spPr>
-      </p:pic>
-      <p:pic>
-        <p:nvPicPr>
-          <p:cNvPr id="28674" name="Picture 2" descr="https://images-na.ssl-images-amazon.com/images/G/01/otp/general/kdp-logo-stacked-a.gif"/>
-          <p:cNvPicPr>
-            <a:picLocks noChangeAspect="1" noChangeArrowheads="1"/>
-          </p:cNvPicPr>
-          <p:nvPr/>
-        </p:nvPicPr>
-        <p:blipFill>
-          <a:blip r:embed="rId6">
-            <a:extLst>
-              <a:ext uri="{28A0092B-C50C-407E-A947-70E740481C1C}">
-                <a14:useLocalDpi xmlns:a14="http://schemas.microsoft.com/office/drawing/2010/main" val="0"/>
-              </a:ext>
-            </a:extLst>
-          </a:blip>
-          <a:srcRect/>
-          <a:stretch>
-            <a:fillRect/>
-          </a:stretch>
-        </p:blipFill>
-        <p:spPr bwMode="auto">
-          <a:xfrm>
-            <a:off x="8919906" y="3278721"/>
-            <a:ext cx="2425700" cy="812800"/>
-          </a:xfrm>
-          <a:prstGeom prst="rect">
-            <a:avLst/>
-          </a:prstGeom>
-          <a:noFill/>
-          <a:extLst>
-            <a:ext uri="{909E8E84-426E-40DD-AFC4-6F175D3DCCD1}">
-              <a14:hiddenFill xmlns:a14="http://schemas.microsoft.com/office/drawing/2010/main">
-                <a:solidFill>
-                  <a:srgbClr val="FFFFFF"/>
-                </a:solidFill>
-              </a14:hiddenFill>
-            </a:ext>
-          </a:extLst>
-        </p:spPr>
-      </p:pic>
-      <p:sp>
-        <p:nvSpPr>
-          <p:cNvPr id="14" name="Title 3"/>
-          <p:cNvSpPr txBox="1">
-            <a:spLocks/>
-          </p:cNvSpPr>
-          <p:nvPr/>
-        </p:nvSpPr>
-        <p:spPr>
-          <a:xfrm>
-            <a:off x="1981644" y="4207191"/>
-            <a:ext cx="3236329" cy="825012"/>
-          </a:xfrm>
-          <a:prstGeom prst="rect">
-            <a:avLst/>
-          </a:prstGeom>
-        </p:spPr>
-        <p:txBody>
-          <a:bodyPr vert="horz" lIns="0" tIns="0" rIns="0" bIns="0" rtlCol="0" anchor="t" anchorCtr="0">
-            <a:noAutofit/>
-          </a:bodyPr>
-          <a:lstStyle>
-            <a:lvl1pPr algn="l" defTabSz="914400" rtl="0" eaLnBrk="1" latinLnBrk="0" hangingPunct="1">
-              <a:spcBef>
-                <a:spcPct val="0"/>
-              </a:spcBef>
-              <a:buNone/>
-              <a:defRPr sz="2400" b="1" kern="1200">
-                <a:solidFill>
-                  <a:schemeClr val="accent1"/>
-                </a:solidFill>
-                <a:latin typeface="Vodafone Rg" pitchFamily="34" charset="0"/>
-                <a:ea typeface="+mj-ea"/>
-                <a:cs typeface="+mj-cs"/>
-              </a:defRPr>
-            </a:lvl1pPr>
-          </a:lstStyle>
-          <a:p>
-            <a:pPr algn="ctr"/>
-            <a:r>
-              <a:rPr lang="en-US" sz="3200" dirty="0"/>
-              <a:t>Publish</a:t>
-            </a:r>
-            <a:endParaRPr lang="en-GB" sz="3200" dirty="0"/>
-          </a:p>
-          <a:p>
-            <a:pPr algn="ctr"/>
-            <a:r>
-              <a:rPr lang="en-GB" sz="3200" dirty="0"/>
-              <a:t>{Podcast/Videos}</a:t>
-            </a:r>
-          </a:p>
-        </p:txBody>
-      </p:sp>
-      <p:pic>
-        <p:nvPicPr>
-          <p:cNvPr id="28676" name="Picture 4" descr="Image result for podcast logo"/>
-          <p:cNvPicPr>
-            <a:picLocks noChangeAspect="1" noChangeArrowheads="1"/>
-          </p:cNvPicPr>
-          <p:nvPr/>
-        </p:nvPicPr>
-        <p:blipFill>
-          <a:blip r:embed="rId7" cstate="print">
-            <a:extLst>
-              <a:ext uri="{28A0092B-C50C-407E-A947-70E740481C1C}">
-                <a14:useLocalDpi xmlns:a14="http://schemas.microsoft.com/office/drawing/2010/main" val="0"/>
-              </a:ext>
-            </a:extLst>
-          </a:blip>
-          <a:srcRect/>
-          <a:stretch>
-            <a:fillRect/>
-          </a:stretch>
-        </p:blipFill>
-        <p:spPr bwMode="auto">
-          <a:xfrm>
-            <a:off x="2346583" y="5436551"/>
-            <a:ext cx="1156936" cy="1018795"/>
-          </a:xfrm>
-          <a:prstGeom prst="rect">
-            <a:avLst/>
-          </a:prstGeom>
-          <a:noFill/>
-          <a:extLst>
-            <a:ext uri="{909E8E84-426E-40DD-AFC4-6F175D3DCCD1}">
-              <a14:hiddenFill xmlns:a14="http://schemas.microsoft.com/office/drawing/2010/main">
-                <a:solidFill>
-                  <a:srgbClr val="FFFFFF"/>
-                </a:solidFill>
-              </a14:hiddenFill>
-            </a:ext>
-          </a:extLst>
-        </p:spPr>
-      </p:pic>
-      <p:pic>
-        <p:nvPicPr>
-          <p:cNvPr id="28677" name="Picture 5"/>
-          <p:cNvPicPr>
-            <a:picLocks noChangeAspect="1" noChangeArrowheads="1"/>
-          </p:cNvPicPr>
-          <p:nvPr/>
-        </p:nvPicPr>
-        <p:blipFill>
-          <a:blip r:embed="rId8" cstate="print">
-            <a:extLst>
-              <a:ext uri="{28A0092B-C50C-407E-A947-70E740481C1C}">
-                <a14:useLocalDpi xmlns:a14="http://schemas.microsoft.com/office/drawing/2010/main" val="0"/>
-              </a:ext>
-            </a:extLst>
-          </a:blip>
-          <a:srcRect/>
-          <a:stretch>
-            <a:fillRect/>
-          </a:stretch>
-        </p:blipFill>
-        <p:spPr bwMode="auto">
-          <a:xfrm>
-            <a:off x="3515721" y="5558971"/>
-            <a:ext cx="1064660" cy="773955"/>
-          </a:xfrm>
-          <a:prstGeom prst="rect">
-            <a:avLst/>
-          </a:prstGeom>
-          <a:noFill/>
-          <a:ln>
-            <a:noFill/>
-          </a:ln>
-          <a:extLst>
-            <a:ext uri="{909E8E84-426E-40DD-AFC4-6F175D3DCCD1}">
-              <a14:hiddenFill xmlns:a14="http://schemas.microsoft.com/office/drawing/2010/main">
-                <a:solidFill>
-                  <a:schemeClr val="accent1"/>
-                </a:solidFill>
-              </a14:hiddenFill>
-            </a:ext>
-            <a:ext uri="{91240B29-F687-4F45-9708-019B960494DF}">
-              <a14:hiddenLine xmlns:a14="http://schemas.microsoft.com/office/drawing/2010/main" w="9525">
-                <a:solidFill>
-                  <a:schemeClr val="tx1"/>
-                </a:solidFill>
-                <a:miter lim="800000"/>
-                <a:headEnd/>
-                <a:tailEnd/>
-              </a14:hiddenLine>
-            </a:ext>
-          </a:extLst>
-        </p:spPr>
-      </p:pic>
-      <p:sp>
-        <p:nvSpPr>
-          <p:cNvPr id="16" name="Title 3"/>
-          <p:cNvSpPr txBox="1">
-            <a:spLocks/>
-          </p:cNvSpPr>
-          <p:nvPr/>
-        </p:nvSpPr>
-        <p:spPr>
-          <a:xfrm>
-            <a:off x="6268606" y="4386293"/>
-            <a:ext cx="3236329" cy="825012"/>
-          </a:xfrm>
-          <a:prstGeom prst="rect">
-            <a:avLst/>
-          </a:prstGeom>
-        </p:spPr>
-        <p:txBody>
-          <a:bodyPr vert="horz" lIns="0" tIns="0" rIns="0" bIns="0" rtlCol="0" anchor="t" anchorCtr="0">
-            <a:noAutofit/>
-          </a:bodyPr>
-          <a:lstStyle>
-            <a:lvl1pPr algn="l" defTabSz="914400" rtl="0" eaLnBrk="1" latinLnBrk="0" hangingPunct="1">
-              <a:spcBef>
-                <a:spcPct val="0"/>
-              </a:spcBef>
-              <a:buNone/>
-              <a:defRPr sz="2400" b="1" kern="1200">
-                <a:solidFill>
-                  <a:schemeClr val="accent1"/>
-                </a:solidFill>
-                <a:latin typeface="Vodafone Rg" pitchFamily="34" charset="0"/>
-                <a:ea typeface="+mj-ea"/>
-                <a:cs typeface="+mj-cs"/>
-              </a:defRPr>
-            </a:lvl1pPr>
-          </a:lstStyle>
-          <a:p>
-            <a:pPr algn="ctr"/>
-            <a:r>
-              <a:rPr lang="en-US" sz="3200" dirty="0"/>
-              <a:t>Build &amp; Sell</a:t>
-            </a:r>
-            <a:endParaRPr lang="en-GB" sz="3200" dirty="0"/>
-          </a:p>
-          <a:p>
-            <a:pPr algn="ctr"/>
-            <a:r>
-              <a:rPr lang="en-GB" sz="3200" dirty="0"/>
-              <a:t>{Kits/Products}</a:t>
-            </a:r>
-          </a:p>
-        </p:txBody>
-      </p:sp>
-      <p:pic>
-        <p:nvPicPr>
-          <p:cNvPr id="28679" name="Picture 7" descr="https://www.brandsoftheworld.com/sites/default/files/styles/logo-thumbnail/public/112013/kickstarter-logo-light.png?itok=txntiR1h"/>
-          <p:cNvPicPr>
-            <a:picLocks noChangeAspect="1" noChangeArrowheads="1"/>
-          </p:cNvPicPr>
-          <p:nvPr/>
-        </p:nvPicPr>
-        <p:blipFill rotWithShape="1">
-          <a:blip r:embed="rId9" cstate="print">
-            <a:extLst>
-              <a:ext uri="{28A0092B-C50C-407E-A947-70E740481C1C}">
-                <a14:useLocalDpi xmlns:a14="http://schemas.microsoft.com/office/drawing/2010/main" val="0"/>
-              </a:ext>
-            </a:extLst>
-          </a:blip>
-          <a:srcRect/>
-          <a:stretch/>
-        </p:blipFill>
-        <p:spPr bwMode="auto">
-          <a:xfrm>
-            <a:off x="6648519" y="5381520"/>
-            <a:ext cx="2476500" cy="788457"/>
-          </a:xfrm>
-          <a:prstGeom prst="rect">
-            <a:avLst/>
-          </a:prstGeom>
-          <a:noFill/>
-          <a:extLst>
-            <a:ext uri="{909E8E84-426E-40DD-AFC4-6F175D3DCCD1}">
-              <a14:hiddenFill xmlns:a14="http://schemas.microsoft.com/office/drawing/2010/main">
-                <a:solidFill>
-                  <a:srgbClr val="FFFFFF"/>
-                </a:solidFill>
-              </a14:hiddenFill>
-            </a:ext>
-          </a:extLst>
-        </p:spPr>
-      </p:pic>
-    </p:spTree>
-    <p:extLst>
-      <p:ext uri="{BB962C8B-B14F-4D97-AF65-F5344CB8AC3E}">
-        <p14:creationId xmlns:p14="http://schemas.microsoft.com/office/powerpoint/2010/main" val="1392103041"/>
-      </p:ext>
-    </p:extLst>
-  </p:cSld>
-  <p:clrMapOvr>
-    <a:masterClrMapping/>
-  </p:clrMapOvr>
-  <p:transition spd="slow">
-    <p:wipe dir="r"/>
-  </p:transition>
 </p:sld>
 </file>
 

--- a/intro_to_python.pptx
+++ b/intro_to_python.pptx
@@ -5,20 +5,18 @@
     <p:sldMasterId id="2147483967" r:id="rId1"/>
   </p:sldMasterIdLst>
   <p:notesMasterIdLst>
-    <p:notesMasterId r:id="rId13"/>
+    <p:notesMasterId r:id="rId11"/>
   </p:notesMasterIdLst>
   <p:sldIdLst>
     <p:sldId id="256" r:id="rId2"/>
-    <p:sldId id="274" r:id="rId3"/>
-    <p:sldId id="259" r:id="rId4"/>
-    <p:sldId id="504" r:id="rId5"/>
-    <p:sldId id="505" r:id="rId6"/>
-    <p:sldId id="507" r:id="rId7"/>
-    <p:sldId id="503" r:id="rId8"/>
-    <p:sldId id="506" r:id="rId9"/>
-    <p:sldId id="272" r:id="rId10"/>
-    <p:sldId id="502" r:id="rId11"/>
-    <p:sldId id="458" r:id="rId12"/>
+    <p:sldId id="259" r:id="rId3"/>
+    <p:sldId id="504" r:id="rId4"/>
+    <p:sldId id="505" r:id="rId5"/>
+    <p:sldId id="507" r:id="rId6"/>
+    <p:sldId id="503" r:id="rId7"/>
+    <p:sldId id="506" r:id="rId8"/>
+    <p:sldId id="272" r:id="rId9"/>
+    <p:sldId id="502" r:id="rId10"/>
   </p:sldIdLst>
   <p:sldSz cx="12192000" cy="6858000"/>
   <p:notesSz cx="6858000" cy="9144000"/>
@@ -540,7 +538,7 @@
             <a:fld id="{2B3E1866-6ABF-4414-AFB5-B91146A1FA19}" type="slidenum">
               <a:rPr lang="en-GB" smtClean="0"/>
               <a:pPr/>
-              <a:t>10</a:t>
+              <a:t>9</a:t>
             </a:fld>
             <a:endParaRPr lang="en-GB" dirty="0"/>
           </a:p>
@@ -550,91 +548,6 @@
     <p:extLst>
       <p:ext uri="{BB962C8B-B14F-4D97-AF65-F5344CB8AC3E}">
         <p14:creationId xmlns:p14="http://schemas.microsoft.com/office/powerpoint/2010/main" val="1925981079"/>
-      </p:ext>
-    </p:extLst>
-  </p:cSld>
-  <p:clrMapOvr>
-    <a:masterClrMapping/>
-  </p:clrMapOvr>
-</p:notes>
-</file>
-
-<file path=ppt/notesSlides/notesSlide2.xml><?xml version="1.0" encoding="utf-8"?>
-<p:notes xmlns:a="http://schemas.openxmlformats.org/drawingml/2006/main" xmlns:r="http://schemas.openxmlformats.org/officeDocument/2006/relationships" xmlns:p="http://schemas.openxmlformats.org/presentationml/2006/main">
-  <p:cSld>
-    <p:spTree>
-      <p:nvGrpSpPr>
-        <p:cNvPr id="1" name=""/>
-        <p:cNvGrpSpPr/>
-        <p:nvPr/>
-      </p:nvGrpSpPr>
-      <p:grpSpPr>
-        <a:xfrm>
-          <a:off x="0" y="0"/>
-          <a:ext cx="0" cy="0"/>
-          <a:chOff x="0" y="0"/>
-          <a:chExt cx="0" cy="0"/>
-        </a:xfrm>
-      </p:grpSpPr>
-      <p:sp>
-        <p:nvSpPr>
-          <p:cNvPr id="2" name="Slide Image Placeholder 1"/>
-          <p:cNvSpPr>
-            <a:spLocks noGrp="1" noRot="1" noChangeAspect="1"/>
-          </p:cNvSpPr>
-          <p:nvPr>
-            <p:ph type="sldImg"/>
-          </p:nvPr>
-        </p:nvSpPr>
-        <p:spPr/>
-      </p:sp>
-      <p:sp>
-        <p:nvSpPr>
-          <p:cNvPr id="3" name="Notes Placeholder 2"/>
-          <p:cNvSpPr>
-            <a:spLocks noGrp="1"/>
-          </p:cNvSpPr>
-          <p:nvPr>
-            <p:ph type="body" idx="1"/>
-          </p:nvPr>
-        </p:nvSpPr>
-        <p:spPr/>
-        <p:txBody>
-          <a:bodyPr/>
-          <a:lstStyle/>
-          <a:p>
-            <a:endParaRPr lang="en-IE" dirty="0"/>
-          </a:p>
-        </p:txBody>
-      </p:sp>
-      <p:sp>
-        <p:nvSpPr>
-          <p:cNvPr id="4" name="Slide Number Placeholder 3"/>
-          <p:cNvSpPr>
-            <a:spLocks noGrp="1"/>
-          </p:cNvSpPr>
-          <p:nvPr>
-            <p:ph type="sldNum" sz="quarter" idx="10"/>
-          </p:nvPr>
-        </p:nvSpPr>
-        <p:spPr/>
-        <p:txBody>
-          <a:bodyPr/>
-          <a:lstStyle/>
-          <a:p>
-            <a:fld id="{2B3E1866-6ABF-4414-AFB5-B91146A1FA19}" type="slidenum">
-              <a:rPr lang="en-GB" smtClean="0"/>
-              <a:pPr/>
-              <a:t>11</a:t>
-            </a:fld>
-            <a:endParaRPr lang="en-GB" dirty="0"/>
-          </a:p>
-        </p:txBody>
-      </p:sp>
-    </p:spTree>
-    <p:extLst>
-      <p:ext uri="{BB962C8B-B14F-4D97-AF65-F5344CB8AC3E}">
-        <p14:creationId xmlns:p14="http://schemas.microsoft.com/office/powerpoint/2010/main" val="3953978021"/>
       </p:ext>
     </p:extLst>
   </p:cSld>
@@ -4224,1412 +4137,7 @@
 </p:sld>
 </file>
 
-<file path=ppt/slides/slide10.xml><?xml version="1.0" encoding="utf-8"?>
-<p:sld xmlns:a="http://schemas.openxmlformats.org/drawingml/2006/main" xmlns:r="http://schemas.openxmlformats.org/officeDocument/2006/relationships" xmlns:p="http://schemas.openxmlformats.org/presentationml/2006/main">
-  <p:cSld>
-    <p:spTree>
-      <p:nvGrpSpPr>
-        <p:cNvPr id="1" name=""/>
-        <p:cNvGrpSpPr/>
-        <p:nvPr/>
-      </p:nvGrpSpPr>
-      <p:grpSpPr>
-        <a:xfrm>
-          <a:off x="0" y="0"/>
-          <a:ext cx="0" cy="0"/>
-          <a:chOff x="0" y="0"/>
-          <a:chExt cx="0" cy="0"/>
-        </a:xfrm>
-      </p:grpSpPr>
-      <p:sp>
-        <p:nvSpPr>
-          <p:cNvPr id="7" name="Title 3"/>
-          <p:cNvSpPr txBox="1">
-            <a:spLocks/>
-          </p:cNvSpPr>
-          <p:nvPr/>
-        </p:nvSpPr>
-        <p:spPr>
-          <a:xfrm>
-            <a:off x="820761" y="129324"/>
-            <a:ext cx="6889896" cy="825012"/>
-          </a:xfrm>
-          <a:prstGeom prst="rect">
-            <a:avLst/>
-          </a:prstGeom>
-        </p:spPr>
-        <p:txBody>
-          <a:bodyPr vert="horz" lIns="0" tIns="0" rIns="0" bIns="0" rtlCol="0" anchor="t" anchorCtr="0">
-            <a:noAutofit/>
-          </a:bodyPr>
-          <a:lstStyle>
-            <a:lvl1pPr algn="l" defTabSz="914400" rtl="0" eaLnBrk="1" latinLnBrk="0" hangingPunct="1">
-              <a:spcBef>
-                <a:spcPct val="0"/>
-              </a:spcBef>
-              <a:buNone/>
-              <a:defRPr sz="2400" b="1" kern="1200">
-                <a:solidFill>
-                  <a:schemeClr val="accent1"/>
-                </a:solidFill>
-                <a:latin typeface="Vodafone Rg" pitchFamily="34" charset="0"/>
-                <a:ea typeface="+mj-ea"/>
-                <a:cs typeface="+mj-cs"/>
-              </a:defRPr>
-            </a:lvl1pPr>
-          </a:lstStyle>
-          <a:p>
-            <a:r>
-              <a:rPr lang="en-GB" sz="4800" b="0" cap="all" dirty="0">
-                <a:solidFill>
-                  <a:schemeClr val="tx1"/>
-                </a:solidFill>
-                <a:latin typeface="+mj-lt"/>
-              </a:rPr>
-              <a:t>Showcase</a:t>
-            </a:r>
-            <a:endParaRPr lang="en-GB" sz="7200" dirty="0"/>
-          </a:p>
-        </p:txBody>
-      </p:sp>
-      <p:sp>
-        <p:nvSpPr>
-          <p:cNvPr id="5" name="Title 3"/>
-          <p:cNvSpPr>
-            <a:spLocks noGrp="1"/>
-          </p:cNvSpPr>
-          <p:nvPr>
-            <p:ph type="title"/>
-          </p:nvPr>
-        </p:nvSpPr>
-        <p:spPr>
-          <a:xfrm>
-            <a:off x="313973" y="1825802"/>
-            <a:ext cx="2809384" cy="825012"/>
-          </a:xfrm>
-        </p:spPr>
-        <p:txBody>
-          <a:bodyPr>
-            <a:normAutofit fontScale="90000"/>
-          </a:bodyPr>
-          <a:lstStyle/>
-          <a:p>
-            <a:pPr algn="ctr"/>
-            <a:r>
-              <a:rPr lang="en-GB" dirty="0"/>
-              <a:t>Code </a:t>
-            </a:r>
-            <a:br>
-              <a:rPr lang="en-GB" dirty="0"/>
-            </a:br>
-            <a:r>
-              <a:rPr lang="en-GB" dirty="0"/>
-              <a:t>{Projects}</a:t>
-            </a:r>
-          </a:p>
-        </p:txBody>
-      </p:sp>
-      <p:pic>
-        <p:nvPicPr>
-          <p:cNvPr id="9" name="Picture 2"/>
-          <p:cNvPicPr>
-            <a:picLocks noChangeAspect="1" noChangeArrowheads="1"/>
-          </p:cNvPicPr>
-          <p:nvPr/>
-        </p:nvPicPr>
-        <p:blipFill>
-          <a:blip r:embed="rId3" cstate="print">
-            <a:extLst>
-              <a:ext uri="{28A0092B-C50C-407E-A947-70E740481C1C}">
-                <a14:useLocalDpi xmlns:a14="http://schemas.microsoft.com/office/drawing/2010/main" val="0"/>
-              </a:ext>
-            </a:extLst>
-          </a:blip>
-          <a:srcRect/>
-          <a:stretch>
-            <a:fillRect/>
-          </a:stretch>
-        </p:blipFill>
-        <p:spPr bwMode="auto">
-          <a:xfrm>
-            <a:off x="771642" y="3055434"/>
-            <a:ext cx="1995933" cy="649207"/>
-          </a:xfrm>
-          <a:prstGeom prst="rect">
-            <a:avLst/>
-          </a:prstGeom>
-          <a:noFill/>
-          <a:ln>
-            <a:noFill/>
-          </a:ln>
-          <a:extLst>
-            <a:ext uri="{909E8E84-426E-40DD-AFC4-6F175D3DCCD1}">
-              <a14:hiddenFill xmlns:a14="http://schemas.microsoft.com/office/drawing/2010/main">
-                <a:solidFill>
-                  <a:schemeClr val="accent1"/>
-                </a:solidFill>
-              </a14:hiddenFill>
-            </a:ext>
-            <a:ext uri="{91240B29-F687-4F45-9708-019B960494DF}">
-              <a14:hiddenLine xmlns:a14="http://schemas.microsoft.com/office/drawing/2010/main" w="9525">
-                <a:solidFill>
-                  <a:schemeClr val="tx1"/>
-                </a:solidFill>
-                <a:miter lim="800000"/>
-                <a:headEnd/>
-                <a:tailEnd/>
-              </a14:hiddenLine>
-            </a:ext>
-          </a:extLst>
-        </p:spPr>
-      </p:pic>
-      <p:sp>
-        <p:nvSpPr>
-          <p:cNvPr id="10" name="Title 3"/>
-          <p:cNvSpPr txBox="1">
-            <a:spLocks/>
-          </p:cNvSpPr>
-          <p:nvPr/>
-        </p:nvSpPr>
-        <p:spPr>
-          <a:xfrm>
-            <a:off x="4265709" y="1892939"/>
-            <a:ext cx="3236329" cy="825012"/>
-          </a:xfrm>
-          <a:prstGeom prst="rect">
-            <a:avLst/>
-          </a:prstGeom>
-        </p:spPr>
-        <p:txBody>
-          <a:bodyPr vert="horz" lIns="91440" tIns="45720" rIns="91440" bIns="45720" rtlCol="0" anchor="t">
-            <a:normAutofit fontScale="82500" lnSpcReduction="10000"/>
-          </a:bodyPr>
-          <a:lstStyle>
-            <a:lvl1pPr algn="ctr" defTabSz="914400">
-              <a:lnSpc>
-                <a:spcPct val="90000"/>
-              </a:lnSpc>
-              <a:spcBef>
-                <a:spcPct val="0"/>
-              </a:spcBef>
-              <a:buNone/>
-              <a:defRPr sz="3200" b="0" i="0" cap="all">
-                <a:effectLst/>
-                <a:latin typeface="+mj-lt"/>
-                <a:ea typeface="+mj-ea"/>
-                <a:cs typeface="+mj-cs"/>
-              </a:defRPr>
-            </a:lvl1pPr>
-          </a:lstStyle>
-          <a:p>
-            <a:r>
-              <a:rPr lang="en-GB" dirty="0"/>
-              <a:t>Design </a:t>
-            </a:r>
-          </a:p>
-          <a:p>
-            <a:r>
-              <a:rPr lang="en-GB" dirty="0"/>
-              <a:t>{UI, UX, Art, Logo}</a:t>
-            </a:r>
-          </a:p>
-        </p:txBody>
-      </p:sp>
-      <p:pic>
-        <p:nvPicPr>
-          <p:cNvPr id="11" name="Picture 3"/>
-          <p:cNvPicPr>
-            <a:picLocks noChangeAspect="1" noChangeArrowheads="1"/>
-          </p:cNvPicPr>
-          <p:nvPr/>
-        </p:nvPicPr>
-        <p:blipFill>
-          <a:blip r:embed="rId4" cstate="print">
-            <a:extLst>
-              <a:ext uri="{28A0092B-C50C-407E-A947-70E740481C1C}">
-                <a14:useLocalDpi xmlns:a14="http://schemas.microsoft.com/office/drawing/2010/main" val="0"/>
-              </a:ext>
-            </a:extLst>
-          </a:blip>
-          <a:srcRect/>
-          <a:stretch>
-            <a:fillRect/>
-          </a:stretch>
-        </p:blipFill>
-        <p:spPr bwMode="auto">
-          <a:xfrm>
-            <a:off x="4712817" y="2782229"/>
-            <a:ext cx="2739361" cy="916593"/>
-          </a:xfrm>
-          <a:prstGeom prst="rect">
-            <a:avLst/>
-          </a:prstGeom>
-          <a:noFill/>
-          <a:ln>
-            <a:noFill/>
-          </a:ln>
-          <a:extLst>
-            <a:ext uri="{909E8E84-426E-40DD-AFC4-6F175D3DCCD1}">
-              <a14:hiddenFill xmlns:a14="http://schemas.microsoft.com/office/drawing/2010/main">
-                <a:solidFill>
-                  <a:schemeClr val="accent1"/>
-                </a:solidFill>
-              </a14:hiddenFill>
-            </a:ext>
-            <a:ext uri="{91240B29-F687-4F45-9708-019B960494DF}">
-              <a14:hiddenLine xmlns:a14="http://schemas.microsoft.com/office/drawing/2010/main" w="9525">
-                <a:solidFill>
-                  <a:schemeClr val="tx1"/>
-                </a:solidFill>
-                <a:miter lim="800000"/>
-                <a:headEnd/>
-                <a:tailEnd/>
-              </a14:hiddenLine>
-            </a:ext>
-          </a:extLst>
-        </p:spPr>
-      </p:pic>
-      <p:sp>
-        <p:nvSpPr>
-          <p:cNvPr id="12" name="Title 3"/>
-          <p:cNvSpPr txBox="1">
-            <a:spLocks/>
-          </p:cNvSpPr>
-          <p:nvPr/>
-        </p:nvSpPr>
-        <p:spPr>
-          <a:xfrm>
-            <a:off x="8411090" y="1729977"/>
-            <a:ext cx="3236329" cy="825012"/>
-          </a:xfrm>
-          <a:prstGeom prst="rect">
-            <a:avLst/>
-          </a:prstGeom>
-        </p:spPr>
-        <p:txBody>
-          <a:bodyPr vert="horz" lIns="0" tIns="0" rIns="0" bIns="0" rtlCol="0" anchor="t" anchorCtr="0">
-            <a:noAutofit/>
-          </a:bodyPr>
-          <a:lstStyle>
-            <a:lvl1pPr algn="l" defTabSz="914400" rtl="0" eaLnBrk="1" latinLnBrk="0" hangingPunct="1">
-              <a:spcBef>
-                <a:spcPct val="0"/>
-              </a:spcBef>
-              <a:buNone/>
-              <a:defRPr sz="2400" b="1" kern="1200">
-                <a:solidFill>
-                  <a:schemeClr val="accent1"/>
-                </a:solidFill>
-                <a:latin typeface="Vodafone Rg" pitchFamily="34" charset="0"/>
-                <a:ea typeface="+mj-ea"/>
-                <a:cs typeface="+mj-cs"/>
-              </a:defRPr>
-            </a:lvl1pPr>
-          </a:lstStyle>
-          <a:p>
-            <a:pPr algn="ctr"/>
-            <a:r>
-              <a:rPr lang="en-GB" sz="3200" dirty="0"/>
-              <a:t>Write</a:t>
-            </a:r>
-          </a:p>
-          <a:p>
-            <a:pPr algn="ctr"/>
-            <a:r>
-              <a:rPr lang="en-GB" sz="3200" dirty="0"/>
-              <a:t>{Blog/Books}</a:t>
-            </a:r>
-          </a:p>
-        </p:txBody>
-      </p:sp>
-      <p:pic>
-        <p:nvPicPr>
-          <p:cNvPr id="13" name="Picture 8"/>
-          <p:cNvPicPr>
-            <a:picLocks noChangeAspect="1" noChangeArrowheads="1"/>
-          </p:cNvPicPr>
-          <p:nvPr/>
-        </p:nvPicPr>
-        <p:blipFill>
-          <a:blip r:embed="rId5" cstate="print">
-            <a:extLst>
-              <a:ext uri="{28A0092B-C50C-407E-A947-70E740481C1C}">
-                <a14:useLocalDpi xmlns:a14="http://schemas.microsoft.com/office/drawing/2010/main" val="0"/>
-              </a:ext>
-            </a:extLst>
-          </a:blip>
-          <a:srcRect/>
-          <a:stretch>
-            <a:fillRect/>
-          </a:stretch>
-        </p:blipFill>
-        <p:spPr bwMode="auto">
-          <a:xfrm>
-            <a:off x="8877192" y="2710443"/>
-            <a:ext cx="2511125" cy="623656"/>
-          </a:xfrm>
-          <a:prstGeom prst="rect">
-            <a:avLst/>
-          </a:prstGeom>
-          <a:noFill/>
-          <a:ln>
-            <a:noFill/>
-          </a:ln>
-          <a:extLst>
-            <a:ext uri="{909E8E84-426E-40DD-AFC4-6F175D3DCCD1}">
-              <a14:hiddenFill xmlns:a14="http://schemas.microsoft.com/office/drawing/2010/main">
-                <a:solidFill>
-                  <a:schemeClr val="accent1"/>
-                </a:solidFill>
-              </a14:hiddenFill>
-            </a:ext>
-            <a:ext uri="{91240B29-F687-4F45-9708-019B960494DF}">
-              <a14:hiddenLine xmlns:a14="http://schemas.microsoft.com/office/drawing/2010/main" w="9525">
-                <a:solidFill>
-                  <a:schemeClr val="tx1"/>
-                </a:solidFill>
-                <a:miter lim="800000"/>
-                <a:headEnd/>
-                <a:tailEnd/>
-              </a14:hiddenLine>
-            </a:ext>
-          </a:extLst>
-        </p:spPr>
-      </p:pic>
-      <p:pic>
-        <p:nvPicPr>
-          <p:cNvPr id="28674" name="Picture 2" descr="https://images-na.ssl-images-amazon.com/images/G/01/otp/general/kdp-logo-stacked-a.gif"/>
-          <p:cNvPicPr>
-            <a:picLocks noChangeAspect="1" noChangeArrowheads="1"/>
-          </p:cNvPicPr>
-          <p:nvPr/>
-        </p:nvPicPr>
-        <p:blipFill>
-          <a:blip r:embed="rId6">
-            <a:extLst>
-              <a:ext uri="{28A0092B-C50C-407E-A947-70E740481C1C}">
-                <a14:useLocalDpi xmlns:a14="http://schemas.microsoft.com/office/drawing/2010/main" val="0"/>
-              </a:ext>
-            </a:extLst>
-          </a:blip>
-          <a:srcRect/>
-          <a:stretch>
-            <a:fillRect/>
-          </a:stretch>
-        </p:blipFill>
-        <p:spPr bwMode="auto">
-          <a:xfrm>
-            <a:off x="8919906" y="3278721"/>
-            <a:ext cx="2425700" cy="812800"/>
-          </a:xfrm>
-          <a:prstGeom prst="rect">
-            <a:avLst/>
-          </a:prstGeom>
-          <a:noFill/>
-          <a:extLst>
-            <a:ext uri="{909E8E84-426E-40DD-AFC4-6F175D3DCCD1}">
-              <a14:hiddenFill xmlns:a14="http://schemas.microsoft.com/office/drawing/2010/main">
-                <a:solidFill>
-                  <a:srgbClr val="FFFFFF"/>
-                </a:solidFill>
-              </a14:hiddenFill>
-            </a:ext>
-          </a:extLst>
-        </p:spPr>
-      </p:pic>
-      <p:sp>
-        <p:nvSpPr>
-          <p:cNvPr id="14" name="Title 3"/>
-          <p:cNvSpPr txBox="1">
-            <a:spLocks/>
-          </p:cNvSpPr>
-          <p:nvPr/>
-        </p:nvSpPr>
-        <p:spPr>
-          <a:xfrm>
-            <a:off x="1981644" y="4207191"/>
-            <a:ext cx="3236329" cy="825012"/>
-          </a:xfrm>
-          <a:prstGeom prst="rect">
-            <a:avLst/>
-          </a:prstGeom>
-        </p:spPr>
-        <p:txBody>
-          <a:bodyPr vert="horz" lIns="0" tIns="0" rIns="0" bIns="0" rtlCol="0" anchor="t" anchorCtr="0">
-            <a:noAutofit/>
-          </a:bodyPr>
-          <a:lstStyle>
-            <a:lvl1pPr algn="l" defTabSz="914400" rtl="0" eaLnBrk="1" latinLnBrk="0" hangingPunct="1">
-              <a:spcBef>
-                <a:spcPct val="0"/>
-              </a:spcBef>
-              <a:buNone/>
-              <a:defRPr sz="2400" b="1" kern="1200">
-                <a:solidFill>
-                  <a:schemeClr val="accent1"/>
-                </a:solidFill>
-                <a:latin typeface="Vodafone Rg" pitchFamily="34" charset="0"/>
-                <a:ea typeface="+mj-ea"/>
-                <a:cs typeface="+mj-cs"/>
-              </a:defRPr>
-            </a:lvl1pPr>
-          </a:lstStyle>
-          <a:p>
-            <a:pPr algn="ctr"/>
-            <a:r>
-              <a:rPr lang="en-US" sz="3200" dirty="0"/>
-              <a:t>Publish</a:t>
-            </a:r>
-            <a:endParaRPr lang="en-GB" sz="3200" dirty="0"/>
-          </a:p>
-          <a:p>
-            <a:pPr algn="ctr"/>
-            <a:r>
-              <a:rPr lang="en-GB" sz="3200" dirty="0"/>
-              <a:t>{Podcast/Videos}</a:t>
-            </a:r>
-          </a:p>
-        </p:txBody>
-      </p:sp>
-      <p:pic>
-        <p:nvPicPr>
-          <p:cNvPr id="28676" name="Picture 4" descr="Image result for podcast logo"/>
-          <p:cNvPicPr>
-            <a:picLocks noChangeAspect="1" noChangeArrowheads="1"/>
-          </p:cNvPicPr>
-          <p:nvPr/>
-        </p:nvPicPr>
-        <p:blipFill>
-          <a:blip r:embed="rId7" cstate="print">
-            <a:extLst>
-              <a:ext uri="{28A0092B-C50C-407E-A947-70E740481C1C}">
-                <a14:useLocalDpi xmlns:a14="http://schemas.microsoft.com/office/drawing/2010/main" val="0"/>
-              </a:ext>
-            </a:extLst>
-          </a:blip>
-          <a:srcRect/>
-          <a:stretch>
-            <a:fillRect/>
-          </a:stretch>
-        </p:blipFill>
-        <p:spPr bwMode="auto">
-          <a:xfrm>
-            <a:off x="2346583" y="5436551"/>
-            <a:ext cx="1156936" cy="1018795"/>
-          </a:xfrm>
-          <a:prstGeom prst="rect">
-            <a:avLst/>
-          </a:prstGeom>
-          <a:noFill/>
-          <a:extLst>
-            <a:ext uri="{909E8E84-426E-40DD-AFC4-6F175D3DCCD1}">
-              <a14:hiddenFill xmlns:a14="http://schemas.microsoft.com/office/drawing/2010/main">
-                <a:solidFill>
-                  <a:srgbClr val="FFFFFF"/>
-                </a:solidFill>
-              </a14:hiddenFill>
-            </a:ext>
-          </a:extLst>
-        </p:spPr>
-      </p:pic>
-      <p:pic>
-        <p:nvPicPr>
-          <p:cNvPr id="28677" name="Picture 5"/>
-          <p:cNvPicPr>
-            <a:picLocks noChangeAspect="1" noChangeArrowheads="1"/>
-          </p:cNvPicPr>
-          <p:nvPr/>
-        </p:nvPicPr>
-        <p:blipFill>
-          <a:blip r:embed="rId8" cstate="print">
-            <a:extLst>
-              <a:ext uri="{28A0092B-C50C-407E-A947-70E740481C1C}">
-                <a14:useLocalDpi xmlns:a14="http://schemas.microsoft.com/office/drawing/2010/main" val="0"/>
-              </a:ext>
-            </a:extLst>
-          </a:blip>
-          <a:srcRect/>
-          <a:stretch>
-            <a:fillRect/>
-          </a:stretch>
-        </p:blipFill>
-        <p:spPr bwMode="auto">
-          <a:xfrm>
-            <a:off x="3515721" y="5558971"/>
-            <a:ext cx="1064660" cy="773955"/>
-          </a:xfrm>
-          <a:prstGeom prst="rect">
-            <a:avLst/>
-          </a:prstGeom>
-          <a:noFill/>
-          <a:ln>
-            <a:noFill/>
-          </a:ln>
-          <a:extLst>
-            <a:ext uri="{909E8E84-426E-40DD-AFC4-6F175D3DCCD1}">
-              <a14:hiddenFill xmlns:a14="http://schemas.microsoft.com/office/drawing/2010/main">
-                <a:solidFill>
-                  <a:schemeClr val="accent1"/>
-                </a:solidFill>
-              </a14:hiddenFill>
-            </a:ext>
-            <a:ext uri="{91240B29-F687-4F45-9708-019B960494DF}">
-              <a14:hiddenLine xmlns:a14="http://schemas.microsoft.com/office/drawing/2010/main" w="9525">
-                <a:solidFill>
-                  <a:schemeClr val="tx1"/>
-                </a:solidFill>
-                <a:miter lim="800000"/>
-                <a:headEnd/>
-                <a:tailEnd/>
-              </a14:hiddenLine>
-            </a:ext>
-          </a:extLst>
-        </p:spPr>
-      </p:pic>
-      <p:sp>
-        <p:nvSpPr>
-          <p:cNvPr id="16" name="Title 3"/>
-          <p:cNvSpPr txBox="1">
-            <a:spLocks/>
-          </p:cNvSpPr>
-          <p:nvPr/>
-        </p:nvSpPr>
-        <p:spPr>
-          <a:xfrm>
-            <a:off x="6268606" y="4386293"/>
-            <a:ext cx="3236329" cy="825012"/>
-          </a:xfrm>
-          <a:prstGeom prst="rect">
-            <a:avLst/>
-          </a:prstGeom>
-        </p:spPr>
-        <p:txBody>
-          <a:bodyPr vert="horz" lIns="0" tIns="0" rIns="0" bIns="0" rtlCol="0" anchor="t" anchorCtr="0">
-            <a:noAutofit/>
-          </a:bodyPr>
-          <a:lstStyle>
-            <a:lvl1pPr algn="l" defTabSz="914400" rtl="0" eaLnBrk="1" latinLnBrk="0" hangingPunct="1">
-              <a:spcBef>
-                <a:spcPct val="0"/>
-              </a:spcBef>
-              <a:buNone/>
-              <a:defRPr sz="2400" b="1" kern="1200">
-                <a:solidFill>
-                  <a:schemeClr val="accent1"/>
-                </a:solidFill>
-                <a:latin typeface="Vodafone Rg" pitchFamily="34" charset="0"/>
-                <a:ea typeface="+mj-ea"/>
-                <a:cs typeface="+mj-cs"/>
-              </a:defRPr>
-            </a:lvl1pPr>
-          </a:lstStyle>
-          <a:p>
-            <a:pPr algn="ctr"/>
-            <a:r>
-              <a:rPr lang="en-US" sz="3200" dirty="0"/>
-              <a:t>Build &amp; Sell</a:t>
-            </a:r>
-            <a:endParaRPr lang="en-GB" sz="3200" dirty="0"/>
-          </a:p>
-          <a:p>
-            <a:pPr algn="ctr"/>
-            <a:r>
-              <a:rPr lang="en-GB" sz="3200" dirty="0"/>
-              <a:t>{Kits/Products}</a:t>
-            </a:r>
-          </a:p>
-        </p:txBody>
-      </p:sp>
-      <p:pic>
-        <p:nvPicPr>
-          <p:cNvPr id="28679" name="Picture 7" descr="https://www.brandsoftheworld.com/sites/default/files/styles/logo-thumbnail/public/112013/kickstarter-logo-light.png?itok=txntiR1h"/>
-          <p:cNvPicPr>
-            <a:picLocks noChangeAspect="1" noChangeArrowheads="1"/>
-          </p:cNvPicPr>
-          <p:nvPr/>
-        </p:nvPicPr>
-        <p:blipFill rotWithShape="1">
-          <a:blip r:embed="rId9" cstate="print">
-            <a:extLst>
-              <a:ext uri="{28A0092B-C50C-407E-A947-70E740481C1C}">
-                <a14:useLocalDpi xmlns:a14="http://schemas.microsoft.com/office/drawing/2010/main" val="0"/>
-              </a:ext>
-            </a:extLst>
-          </a:blip>
-          <a:srcRect/>
-          <a:stretch/>
-        </p:blipFill>
-        <p:spPr bwMode="auto">
-          <a:xfrm>
-            <a:off x="6648519" y="5381520"/>
-            <a:ext cx="2476500" cy="788457"/>
-          </a:xfrm>
-          <a:prstGeom prst="rect">
-            <a:avLst/>
-          </a:prstGeom>
-          <a:noFill/>
-          <a:extLst>
-            <a:ext uri="{909E8E84-426E-40DD-AFC4-6F175D3DCCD1}">
-              <a14:hiddenFill xmlns:a14="http://schemas.microsoft.com/office/drawing/2010/main">
-                <a:solidFill>
-                  <a:srgbClr val="FFFFFF"/>
-                </a:solidFill>
-              </a14:hiddenFill>
-            </a:ext>
-          </a:extLst>
-        </p:spPr>
-      </p:pic>
-    </p:spTree>
-    <p:extLst>
-      <p:ext uri="{BB962C8B-B14F-4D97-AF65-F5344CB8AC3E}">
-        <p14:creationId xmlns:p14="http://schemas.microsoft.com/office/powerpoint/2010/main" val="1392103041"/>
-      </p:ext>
-    </p:extLst>
-  </p:cSld>
-  <p:clrMapOvr>
-    <a:masterClrMapping/>
-  </p:clrMapOvr>
-  <p:transition spd="slow">
-    <p:wipe dir="r"/>
-  </p:transition>
-</p:sld>
-</file>
-
-<file path=ppt/slides/slide11.xml><?xml version="1.0" encoding="utf-8"?>
-<p:sld xmlns:a="http://schemas.openxmlformats.org/drawingml/2006/main" xmlns:r="http://schemas.openxmlformats.org/officeDocument/2006/relationships" xmlns:p="http://schemas.openxmlformats.org/presentationml/2006/main">
-  <p:cSld>
-    <p:spTree>
-      <p:nvGrpSpPr>
-        <p:cNvPr id="1" name=""/>
-        <p:cNvGrpSpPr/>
-        <p:nvPr/>
-      </p:nvGrpSpPr>
-      <p:grpSpPr>
-        <a:xfrm>
-          <a:off x="0" y="0"/>
-          <a:ext cx="0" cy="0"/>
-          <a:chOff x="0" y="0"/>
-          <a:chExt cx="0" cy="0"/>
-        </a:xfrm>
-      </p:grpSpPr>
-      <p:sp>
-        <p:nvSpPr>
-          <p:cNvPr id="4" name="Title 3"/>
-          <p:cNvSpPr>
-            <a:spLocks noGrp="1"/>
-          </p:cNvSpPr>
-          <p:nvPr>
-            <p:ph type="title"/>
-          </p:nvPr>
-        </p:nvSpPr>
-        <p:spPr>
-          <a:xfrm>
-            <a:off x="1396496" y="274177"/>
-            <a:ext cx="6716990" cy="1042967"/>
-          </a:xfrm>
-        </p:spPr>
-        <p:txBody>
-          <a:bodyPr>
-            <a:normAutofit/>
-          </a:bodyPr>
-          <a:lstStyle/>
-          <a:p>
-            <a:r>
-              <a:rPr lang="en-US" sz="4800" dirty="0"/>
-              <a:t>Get in Touch!</a:t>
-            </a:r>
-            <a:endParaRPr lang="en-GB" sz="4800" dirty="0"/>
-          </a:p>
-        </p:txBody>
-      </p:sp>
-      <p:pic>
-        <p:nvPicPr>
-          <p:cNvPr id="1028" name="Picture 4" descr="https://cdn4.iconfinder.com/data/icons/free-colorful-icons/360/gmail.png"/>
-          <p:cNvPicPr>
-            <a:picLocks noChangeAspect="1" noChangeArrowheads="1"/>
-          </p:cNvPicPr>
-          <p:nvPr/>
-        </p:nvPicPr>
-        <p:blipFill>
-          <a:blip r:embed="rId3" cstate="print">
-            <a:extLst>
-              <a:ext uri="{28A0092B-C50C-407E-A947-70E740481C1C}">
-                <a14:useLocalDpi xmlns:a14="http://schemas.microsoft.com/office/drawing/2010/main" val="0"/>
-              </a:ext>
-            </a:extLst>
-          </a:blip>
-          <a:srcRect/>
-          <a:stretch>
-            <a:fillRect/>
-          </a:stretch>
-        </p:blipFill>
-        <p:spPr bwMode="auto">
-          <a:xfrm>
-            <a:off x="2321083" y="3808427"/>
-            <a:ext cx="928023" cy="928023"/>
-          </a:xfrm>
-          <a:prstGeom prst="rect">
-            <a:avLst/>
-          </a:prstGeom>
-          <a:noFill/>
-          <a:extLst>
-            <a:ext uri="{909E8E84-426E-40DD-AFC4-6F175D3DCCD1}">
-              <a14:hiddenFill xmlns:a14="http://schemas.microsoft.com/office/drawing/2010/main">
-                <a:solidFill>
-                  <a:srgbClr val="FFFFFF"/>
-                </a:solidFill>
-              </a14:hiddenFill>
-            </a:ext>
-          </a:extLst>
-        </p:spPr>
-      </p:pic>
-      <p:sp>
-        <p:nvSpPr>
-          <p:cNvPr id="7" name="TextBox 6"/>
-          <p:cNvSpPr txBox="1"/>
-          <p:nvPr/>
-        </p:nvSpPr>
-        <p:spPr>
-          <a:xfrm>
-            <a:off x="3392111" y="3941526"/>
-            <a:ext cx="7537146" cy="623028"/>
-          </a:xfrm>
-          <a:prstGeom prst="rect">
-            <a:avLst/>
-          </a:prstGeom>
-          <a:noFill/>
-        </p:spPr>
-        <p:txBody>
-          <a:bodyPr wrap="square" tIns="0" bIns="0" rtlCol="0" anchor="ctr" anchorCtr="0">
-            <a:noAutofit/>
-          </a:bodyPr>
-          <a:lstStyle/>
-          <a:p>
-            <a:pPr>
-              <a:lnSpc>
-                <a:spcPct val="90000"/>
-              </a:lnSpc>
-            </a:pPr>
-            <a:r>
-              <a:rPr lang="en-GB" sz="4267" b="1" dirty="0">
-                <a:solidFill>
-                  <a:srgbClr val="FF0000"/>
-                </a:solidFill>
-              </a:rPr>
-              <a:t>amr.rs.contact@gmail.com</a:t>
-            </a:r>
-          </a:p>
-        </p:txBody>
-      </p:sp>
-      <p:pic>
-        <p:nvPicPr>
-          <p:cNvPr id="1031" name="Picture 7"/>
-          <p:cNvPicPr>
-            <a:picLocks noChangeAspect="1" noChangeArrowheads="1"/>
-          </p:cNvPicPr>
-          <p:nvPr/>
-        </p:nvPicPr>
-        <p:blipFill>
-          <a:blip r:embed="rId4">
-            <a:extLst>
-              <a:ext uri="{28A0092B-C50C-407E-A947-70E740481C1C}">
-                <a14:useLocalDpi xmlns:a14="http://schemas.microsoft.com/office/drawing/2010/main" val="0"/>
-              </a:ext>
-            </a:extLst>
-          </a:blip>
-          <a:srcRect/>
-          <a:stretch>
-            <a:fillRect/>
-          </a:stretch>
-        </p:blipFill>
-        <p:spPr bwMode="auto">
-          <a:xfrm>
-            <a:off x="2236648" y="1325984"/>
-            <a:ext cx="3550960" cy="1149389"/>
-          </a:xfrm>
-          <a:prstGeom prst="rect">
-            <a:avLst/>
-          </a:prstGeom>
-          <a:noFill/>
-          <a:ln>
-            <a:noFill/>
-          </a:ln>
-          <a:extLst>
-            <a:ext uri="{909E8E84-426E-40DD-AFC4-6F175D3DCCD1}">
-              <a14:hiddenFill xmlns:a14="http://schemas.microsoft.com/office/drawing/2010/main">
-                <a:solidFill>
-                  <a:schemeClr val="accent1"/>
-                </a:solidFill>
-              </a14:hiddenFill>
-            </a:ext>
-            <a:ext uri="{91240B29-F687-4F45-9708-019B960494DF}">
-              <a14:hiddenLine xmlns:a14="http://schemas.microsoft.com/office/drawing/2010/main" w="9525">
-                <a:solidFill>
-                  <a:schemeClr val="tx1"/>
-                </a:solidFill>
-                <a:miter lim="800000"/>
-                <a:headEnd/>
-                <a:tailEnd/>
-              </a14:hiddenLine>
-            </a:ext>
-          </a:extLst>
-        </p:spPr>
-      </p:pic>
-      <p:sp>
-        <p:nvSpPr>
-          <p:cNvPr id="9" name="TextBox 8"/>
-          <p:cNvSpPr txBox="1"/>
-          <p:nvPr/>
-        </p:nvSpPr>
-        <p:spPr>
-          <a:xfrm>
-            <a:off x="5759254" y="1704589"/>
-            <a:ext cx="3353659" cy="623028"/>
-          </a:xfrm>
-          <a:prstGeom prst="rect">
-            <a:avLst/>
-          </a:prstGeom>
-          <a:noFill/>
-        </p:spPr>
-        <p:txBody>
-          <a:bodyPr wrap="square" tIns="0" bIns="0" rtlCol="0" anchor="ctr" anchorCtr="0">
-            <a:noAutofit/>
-          </a:bodyPr>
-          <a:lstStyle/>
-          <a:p>
-            <a:pPr>
-              <a:lnSpc>
-                <a:spcPct val="90000"/>
-              </a:lnSpc>
-            </a:pPr>
-            <a:r>
-              <a:rPr lang="en-GB" sz="5333" b="1" dirty="0">
-                <a:solidFill>
-                  <a:schemeClr val="accent1">
-                    <a:lumMod val="60000"/>
-                    <a:lumOff val="40000"/>
-                  </a:schemeClr>
-                </a:solidFill>
-              </a:rPr>
-              <a:t>@</a:t>
-            </a:r>
-            <a:r>
-              <a:rPr lang="en-GB" sz="5333" b="1" dirty="0" err="1">
-                <a:solidFill>
-                  <a:srgbClr val="FF0000"/>
-                </a:solidFill>
-              </a:rPr>
-              <a:t>amrrs</a:t>
-            </a:r>
-            <a:endParaRPr lang="en-GB" sz="5333" b="1" dirty="0">
-              <a:solidFill>
-                <a:srgbClr val="FF0000"/>
-              </a:solidFill>
-            </a:endParaRPr>
-          </a:p>
-        </p:txBody>
-      </p:sp>
-      <p:pic>
-        <p:nvPicPr>
-          <p:cNvPr id="1032" name="Picture 8"/>
-          <p:cNvPicPr>
-            <a:picLocks noChangeAspect="1" noChangeArrowheads="1"/>
-          </p:cNvPicPr>
-          <p:nvPr/>
-        </p:nvPicPr>
-        <p:blipFill>
-          <a:blip r:embed="rId5" cstate="print">
-            <a:extLst>
-              <a:ext uri="{28A0092B-C50C-407E-A947-70E740481C1C}">
-                <a14:useLocalDpi xmlns:a14="http://schemas.microsoft.com/office/drawing/2010/main" val="0"/>
-              </a:ext>
-            </a:extLst>
-          </a:blip>
-          <a:srcRect/>
-          <a:stretch>
-            <a:fillRect/>
-          </a:stretch>
-        </p:blipFill>
-        <p:spPr bwMode="auto">
-          <a:xfrm>
-            <a:off x="2321083" y="2752066"/>
-            <a:ext cx="3442169" cy="854888"/>
-          </a:xfrm>
-          <a:prstGeom prst="rect">
-            <a:avLst/>
-          </a:prstGeom>
-          <a:noFill/>
-          <a:ln>
-            <a:noFill/>
-          </a:ln>
-          <a:extLst>
-            <a:ext uri="{909E8E84-426E-40DD-AFC4-6F175D3DCCD1}">
-              <a14:hiddenFill xmlns:a14="http://schemas.microsoft.com/office/drawing/2010/main">
-                <a:solidFill>
-                  <a:schemeClr val="accent1"/>
-                </a:solidFill>
-              </a14:hiddenFill>
-            </a:ext>
-            <a:ext uri="{91240B29-F687-4F45-9708-019B960494DF}">
-              <a14:hiddenLine xmlns:a14="http://schemas.microsoft.com/office/drawing/2010/main" w="9525">
-                <a:solidFill>
-                  <a:schemeClr val="tx1"/>
-                </a:solidFill>
-                <a:miter lim="800000"/>
-                <a:headEnd/>
-                <a:tailEnd/>
-              </a14:hiddenLine>
-            </a:ext>
-          </a:extLst>
-        </p:spPr>
-      </p:pic>
-      <p:sp>
-        <p:nvSpPr>
-          <p:cNvPr id="11" name="TextBox 10"/>
-          <p:cNvSpPr txBox="1"/>
-          <p:nvPr/>
-        </p:nvSpPr>
-        <p:spPr>
-          <a:xfrm>
-            <a:off x="5759254" y="2867996"/>
-            <a:ext cx="5053888" cy="623028"/>
-          </a:xfrm>
-          <a:prstGeom prst="rect">
-            <a:avLst/>
-          </a:prstGeom>
-          <a:noFill/>
-        </p:spPr>
-        <p:txBody>
-          <a:bodyPr wrap="square" tIns="0" bIns="0" rtlCol="0" anchor="ctr" anchorCtr="0">
-            <a:noAutofit/>
-          </a:bodyPr>
-          <a:lstStyle/>
-          <a:p>
-            <a:pPr>
-              <a:lnSpc>
-                <a:spcPct val="90000"/>
-              </a:lnSpc>
-            </a:pPr>
-            <a:r>
-              <a:rPr lang="en-GB" sz="5333" b="1" dirty="0">
-                <a:solidFill>
-                  <a:schemeClr val="accent1">
-                    <a:lumMod val="60000"/>
-                    <a:lumOff val="40000"/>
-                  </a:schemeClr>
-                </a:solidFill>
-              </a:rPr>
-              <a:t>@</a:t>
-            </a:r>
-            <a:r>
-              <a:rPr lang="en-GB" sz="5333" b="1" dirty="0" err="1">
-                <a:solidFill>
-                  <a:srgbClr val="FF0000"/>
-                </a:solidFill>
-              </a:rPr>
-              <a:t>amrwrites</a:t>
-            </a:r>
-            <a:endParaRPr lang="en-GB" sz="5333" b="1" dirty="0">
-              <a:solidFill>
-                <a:srgbClr val="FF0000"/>
-              </a:solidFill>
-            </a:endParaRPr>
-          </a:p>
-        </p:txBody>
-      </p:sp>
-      <p:sp>
-        <p:nvSpPr>
-          <p:cNvPr id="2" name="Rectangle 1"/>
-          <p:cNvSpPr/>
-          <p:nvPr/>
-        </p:nvSpPr>
-        <p:spPr>
-          <a:xfrm>
-            <a:off x="3392111" y="5153411"/>
-            <a:ext cx="8301503" cy="748988"/>
-          </a:xfrm>
-          <a:prstGeom prst="rect">
-            <a:avLst/>
-          </a:prstGeom>
-        </p:spPr>
-        <p:txBody>
-          <a:bodyPr wrap="none">
-            <a:spAutoFit/>
-          </a:bodyPr>
-          <a:lstStyle/>
-          <a:p>
-            <a:r>
-              <a:rPr lang="en-US" sz="4267" b="1" dirty="0">
-                <a:solidFill>
-                  <a:srgbClr val="FF0000"/>
-                </a:solidFill>
-                <a:hlinkClick r:id="rId6"/>
-              </a:rPr>
-              <a:t>https://in.linkedin.com/in/amrrs</a:t>
-            </a:r>
-            <a:r>
-              <a:rPr lang="en-US" sz="4267" b="1" dirty="0">
-                <a:solidFill>
-                  <a:srgbClr val="FF0000"/>
-                </a:solidFill>
-              </a:rPr>
-              <a:t> </a:t>
-            </a:r>
-          </a:p>
-        </p:txBody>
-      </p:sp>
-      <p:pic>
-        <p:nvPicPr>
-          <p:cNvPr id="3" name="Picture 2"/>
-          <p:cNvPicPr>
-            <a:picLocks noChangeAspect="1"/>
-          </p:cNvPicPr>
-          <p:nvPr/>
-        </p:nvPicPr>
-        <p:blipFill>
-          <a:blip r:embed="rId7"/>
-          <a:stretch>
-            <a:fillRect/>
-          </a:stretch>
-        </p:blipFill>
-        <p:spPr>
-          <a:xfrm>
-            <a:off x="2221654" y="4955618"/>
-            <a:ext cx="1128256" cy="1056747"/>
-          </a:xfrm>
-          <a:prstGeom prst="rect">
-            <a:avLst/>
-          </a:prstGeom>
-        </p:spPr>
-      </p:pic>
-    </p:spTree>
-    <p:extLst>
-      <p:ext uri="{BB962C8B-B14F-4D97-AF65-F5344CB8AC3E}">
-        <p14:creationId xmlns:p14="http://schemas.microsoft.com/office/powerpoint/2010/main" val="2163060600"/>
-      </p:ext>
-    </p:extLst>
-  </p:cSld>
-  <p:clrMapOvr>
-    <a:masterClrMapping/>
-  </p:clrMapOvr>
-  <p:transition spd="slow">
-    <p:wipe dir="r"/>
-  </p:transition>
-</p:sld>
-</file>
-
 <file path=ppt/slides/slide2.xml><?xml version="1.0" encoding="utf-8"?>
-<p:sld xmlns:a="http://schemas.openxmlformats.org/drawingml/2006/main" xmlns:r="http://schemas.openxmlformats.org/officeDocument/2006/relationships" xmlns:p="http://schemas.openxmlformats.org/presentationml/2006/main">
-  <p:cSld>
-    <p:spTree>
-      <p:nvGrpSpPr>
-        <p:cNvPr id="1" name=""/>
-        <p:cNvGrpSpPr/>
-        <p:nvPr/>
-      </p:nvGrpSpPr>
-      <p:grpSpPr>
-        <a:xfrm>
-          <a:off x="0" y="0"/>
-          <a:ext cx="0" cy="0"/>
-          <a:chOff x="0" y="0"/>
-          <a:chExt cx="0" cy="0"/>
-        </a:xfrm>
-      </p:grpSpPr>
-      <p:sp>
-        <p:nvSpPr>
-          <p:cNvPr id="5" name="Title 3">
-            <a:extLst>
-              <a:ext uri="{FF2B5EF4-FFF2-40B4-BE49-F238E27FC236}">
-                <a16:creationId xmlns:a16="http://schemas.microsoft.com/office/drawing/2014/main" id="{B60969DE-903A-904C-98EC-CF14D7994CE7}"/>
-              </a:ext>
-            </a:extLst>
-          </p:cNvPr>
-          <p:cNvSpPr txBox="1">
-            <a:spLocks/>
-          </p:cNvSpPr>
-          <p:nvPr/>
-        </p:nvSpPr>
-        <p:spPr>
-          <a:xfrm>
-            <a:off x="1320774" y="260222"/>
-            <a:ext cx="3955550" cy="782225"/>
-          </a:xfrm>
-          <a:prstGeom prst="rect">
-            <a:avLst/>
-          </a:prstGeom>
-        </p:spPr>
-        <p:txBody>
-          <a:bodyPr vert="horz" lIns="91440" tIns="45720" rIns="91440" bIns="45720" rtlCol="0" anchor="t">
-            <a:normAutofit/>
-          </a:bodyPr>
-          <a:lstStyle>
-            <a:lvl1pPr algn="l" defTabSz="914400" rtl="0" eaLnBrk="1" latinLnBrk="0" hangingPunct="1">
-              <a:lnSpc>
-                <a:spcPct val="90000"/>
-              </a:lnSpc>
-              <a:spcBef>
-                <a:spcPct val="0"/>
-              </a:spcBef>
-              <a:buNone/>
-              <a:defRPr sz="3200" b="0" i="0" kern="1200" cap="all">
-                <a:solidFill>
-                  <a:schemeClr val="tx1"/>
-                </a:solidFill>
-                <a:effectLst/>
-                <a:latin typeface="+mj-lt"/>
-                <a:ea typeface="+mj-ea"/>
-                <a:cs typeface="+mj-cs"/>
-              </a:defRPr>
-            </a:lvl1pPr>
-          </a:lstStyle>
-          <a:p>
-            <a:r>
-              <a:rPr lang="en-GB" dirty="0"/>
-              <a:t>About Me!</a:t>
-            </a:r>
-          </a:p>
-        </p:txBody>
-      </p:sp>
-      <p:pic>
-        <p:nvPicPr>
-          <p:cNvPr id="6" name="Picture 5">
-            <a:extLst>
-              <a:ext uri="{FF2B5EF4-FFF2-40B4-BE49-F238E27FC236}">
-                <a16:creationId xmlns:a16="http://schemas.microsoft.com/office/drawing/2014/main" id="{91F5DFFE-BF4A-684F-AFE9-8F8CBB9C9878}"/>
-              </a:ext>
-            </a:extLst>
-          </p:cNvPr>
-          <p:cNvPicPr>
-            <a:picLocks noChangeAspect="1"/>
-          </p:cNvPicPr>
-          <p:nvPr/>
-        </p:nvPicPr>
-        <p:blipFill>
-          <a:blip r:embed="rId2"/>
-          <a:stretch>
-            <a:fillRect/>
-          </a:stretch>
-        </p:blipFill>
-        <p:spPr>
-          <a:xfrm>
-            <a:off x="10678918" y="4132668"/>
-            <a:ext cx="1306945" cy="926393"/>
-          </a:xfrm>
-          <a:prstGeom prst="rect">
-            <a:avLst/>
-          </a:prstGeom>
-        </p:spPr>
-      </p:pic>
-      <p:pic>
-        <p:nvPicPr>
-          <p:cNvPr id="7" name="Picture 6">
-            <a:extLst>
-              <a:ext uri="{FF2B5EF4-FFF2-40B4-BE49-F238E27FC236}">
-                <a16:creationId xmlns:a16="http://schemas.microsoft.com/office/drawing/2014/main" id="{66D16337-580C-2846-840F-CE5BDE3110F5}"/>
-              </a:ext>
-            </a:extLst>
-          </p:cNvPr>
-          <p:cNvPicPr>
-            <a:picLocks noChangeAspect="1"/>
-          </p:cNvPicPr>
-          <p:nvPr/>
-        </p:nvPicPr>
-        <p:blipFill>
-          <a:blip r:embed="rId3"/>
-          <a:stretch>
-            <a:fillRect/>
-          </a:stretch>
-        </p:blipFill>
-        <p:spPr>
-          <a:xfrm>
-            <a:off x="9698047" y="4165448"/>
-            <a:ext cx="847725" cy="860834"/>
-          </a:xfrm>
-          <a:prstGeom prst="rect">
-            <a:avLst/>
-          </a:prstGeom>
-        </p:spPr>
-      </p:pic>
-      <p:pic>
-        <p:nvPicPr>
-          <p:cNvPr id="8" name="Picture 2" descr="https://upload.wikimedia.org/wikipedia/commons/4/42/GCT_CSE.jpg">
-            <a:extLst>
-              <a:ext uri="{FF2B5EF4-FFF2-40B4-BE49-F238E27FC236}">
-                <a16:creationId xmlns:a16="http://schemas.microsoft.com/office/drawing/2014/main" id="{0A2F9DAB-8251-D347-A696-D86E807E9B44}"/>
-              </a:ext>
-            </a:extLst>
-          </p:cNvPr>
-          <p:cNvPicPr>
-            <a:picLocks noChangeAspect="1" noChangeArrowheads="1"/>
-          </p:cNvPicPr>
-          <p:nvPr/>
-        </p:nvPicPr>
-        <p:blipFill>
-          <a:blip r:embed="rId4">
-            <a:extLst>
-              <a:ext uri="{28A0092B-C50C-407E-A947-70E740481C1C}">
-                <a14:useLocalDpi xmlns:a14="http://schemas.microsoft.com/office/drawing/2010/main" val="0"/>
-              </a:ext>
-            </a:extLst>
-          </a:blip>
-          <a:srcRect/>
-          <a:stretch>
-            <a:fillRect/>
-          </a:stretch>
-        </p:blipFill>
-        <p:spPr bwMode="auto">
-          <a:xfrm>
-            <a:off x="690103" y="4019393"/>
-            <a:ext cx="3964784" cy="2651451"/>
-          </a:xfrm>
-          <a:prstGeom prst="rect">
-            <a:avLst/>
-          </a:prstGeom>
-          <a:noFill/>
-          <a:extLst>
-            <a:ext uri="{909E8E84-426E-40DD-AFC4-6F175D3DCCD1}">
-              <a14:hiddenFill xmlns:a14="http://schemas.microsoft.com/office/drawing/2010/main">
-                <a:solidFill>
-                  <a:srgbClr val="FFFFFF"/>
-                </a:solidFill>
-              </a14:hiddenFill>
-            </a:ext>
-          </a:extLst>
-        </p:spPr>
-      </p:pic>
-      <p:pic>
-        <p:nvPicPr>
-          <p:cNvPr id="9" name="Picture 8">
-            <a:extLst>
-              <a:ext uri="{FF2B5EF4-FFF2-40B4-BE49-F238E27FC236}">
-                <a16:creationId xmlns:a16="http://schemas.microsoft.com/office/drawing/2014/main" id="{9EFFE0A6-8540-9245-9312-DA446362077F}"/>
-              </a:ext>
-            </a:extLst>
-          </p:cNvPr>
-          <p:cNvPicPr>
-            <a:picLocks noChangeAspect="1"/>
-          </p:cNvPicPr>
-          <p:nvPr/>
-        </p:nvPicPr>
-        <p:blipFill>
-          <a:blip r:embed="rId5"/>
-          <a:stretch>
-            <a:fillRect/>
-          </a:stretch>
-        </p:blipFill>
-        <p:spPr>
-          <a:xfrm>
-            <a:off x="9790044" y="1247162"/>
-            <a:ext cx="1170948" cy="1445389"/>
-          </a:xfrm>
-          <a:prstGeom prst="rect">
-            <a:avLst/>
-          </a:prstGeom>
-        </p:spPr>
-      </p:pic>
-      <p:pic>
-        <p:nvPicPr>
-          <p:cNvPr id="10" name="Picture 9">
-            <a:extLst>
-              <a:ext uri="{FF2B5EF4-FFF2-40B4-BE49-F238E27FC236}">
-                <a16:creationId xmlns:a16="http://schemas.microsoft.com/office/drawing/2014/main" id="{9279D800-9E78-1E47-B60F-B47924C294D5}"/>
-              </a:ext>
-            </a:extLst>
-          </p:cNvPr>
-          <p:cNvPicPr>
-            <a:picLocks noChangeAspect="1"/>
-          </p:cNvPicPr>
-          <p:nvPr/>
-        </p:nvPicPr>
-        <p:blipFill>
-          <a:blip r:embed="rId6"/>
-          <a:stretch>
-            <a:fillRect/>
-          </a:stretch>
-        </p:blipFill>
-        <p:spPr>
-          <a:xfrm>
-            <a:off x="4773519" y="1265047"/>
-            <a:ext cx="4648492" cy="4327906"/>
-          </a:xfrm>
-          <a:prstGeom prst="rect">
-            <a:avLst/>
-          </a:prstGeom>
-        </p:spPr>
-      </p:pic>
-      <p:pic>
-        <p:nvPicPr>
-          <p:cNvPr id="11" name="Picture 10">
-            <a:extLst>
-              <a:ext uri="{FF2B5EF4-FFF2-40B4-BE49-F238E27FC236}">
-                <a16:creationId xmlns:a16="http://schemas.microsoft.com/office/drawing/2014/main" id="{C390B0D0-5937-1745-A4BB-B6DDCA8B645B}"/>
-              </a:ext>
-            </a:extLst>
-          </p:cNvPr>
-          <p:cNvPicPr>
-            <a:picLocks noChangeAspect="1"/>
-          </p:cNvPicPr>
-          <p:nvPr/>
-        </p:nvPicPr>
-        <p:blipFill>
-          <a:blip r:embed="rId7"/>
-          <a:stretch>
-            <a:fillRect/>
-          </a:stretch>
-        </p:blipFill>
-        <p:spPr>
-          <a:xfrm>
-            <a:off x="9712561" y="2902832"/>
-            <a:ext cx="2270989" cy="1023710"/>
-          </a:xfrm>
-          <a:prstGeom prst="rect">
-            <a:avLst/>
-          </a:prstGeom>
-        </p:spPr>
-      </p:pic>
-      <p:pic>
-        <p:nvPicPr>
-          <p:cNvPr id="12" name="Picture 11">
-            <a:extLst>
-              <a:ext uri="{FF2B5EF4-FFF2-40B4-BE49-F238E27FC236}">
-                <a16:creationId xmlns:a16="http://schemas.microsoft.com/office/drawing/2014/main" id="{42B4D600-0DC7-154A-91A6-C7962E1B5930}"/>
-              </a:ext>
-            </a:extLst>
-          </p:cNvPr>
-          <p:cNvPicPr>
-            <a:picLocks noChangeAspect="1"/>
-          </p:cNvPicPr>
-          <p:nvPr/>
-        </p:nvPicPr>
-        <p:blipFill rotWithShape="1">
-          <a:blip r:embed="rId8"/>
-          <a:srcRect r="23865"/>
-          <a:stretch/>
-        </p:blipFill>
-        <p:spPr>
-          <a:xfrm>
-            <a:off x="354211" y="1254570"/>
-            <a:ext cx="4351079" cy="2552700"/>
-          </a:xfrm>
-          <a:prstGeom prst="rect">
-            <a:avLst/>
-          </a:prstGeom>
-        </p:spPr>
-      </p:pic>
-    </p:spTree>
-    <p:extLst>
-      <p:ext uri="{BB962C8B-B14F-4D97-AF65-F5344CB8AC3E}">
-        <p14:creationId xmlns:p14="http://schemas.microsoft.com/office/powerpoint/2010/main" val="2935151280"/>
-      </p:ext>
-    </p:extLst>
-  </p:cSld>
-  <p:clrMapOvr>
-    <a:masterClrMapping/>
-  </p:clrMapOvr>
-</p:sld>
-</file>
-
-<file path=ppt/slides/slide3.xml><?xml version="1.0" encoding="utf-8"?>
 <p:sld xmlns:a="http://schemas.openxmlformats.org/drawingml/2006/main" xmlns:r="http://schemas.openxmlformats.org/officeDocument/2006/relationships" xmlns:p="http://schemas.openxmlformats.org/presentationml/2006/main">
   <p:cSld>
     <p:spTree>
@@ -5857,7 +4365,7 @@
 </p:sld>
 </file>
 
-<file path=ppt/slides/slide4.xml><?xml version="1.0" encoding="utf-8"?>
+<file path=ppt/slides/slide3.xml><?xml version="1.0" encoding="utf-8"?>
 <p:sld xmlns:a="http://schemas.openxmlformats.org/drawingml/2006/main" xmlns:r="http://schemas.openxmlformats.org/officeDocument/2006/relationships" xmlns:p="http://schemas.openxmlformats.org/presentationml/2006/main">
   <p:cSld>
     <p:spTree>
@@ -6048,6 +4556,386 @@
 </p:sld>
 </file>
 
+<file path=ppt/slides/slide4.xml><?xml version="1.0" encoding="utf-8"?>
+<p:sld xmlns:a="http://schemas.openxmlformats.org/drawingml/2006/main" xmlns:r="http://schemas.openxmlformats.org/officeDocument/2006/relationships" xmlns:p="http://schemas.openxmlformats.org/presentationml/2006/main">
+  <p:cSld>
+    <p:spTree>
+      <p:nvGrpSpPr>
+        <p:cNvPr id="1" name=""/>
+        <p:cNvGrpSpPr/>
+        <p:nvPr/>
+      </p:nvGrpSpPr>
+      <p:grpSpPr>
+        <a:xfrm>
+          <a:off x="0" y="0"/>
+          <a:ext cx="0" cy="0"/>
+          <a:chOff x="0" y="0"/>
+          <a:chExt cx="0" cy="0"/>
+        </a:xfrm>
+      </p:grpSpPr>
+      <p:sp>
+        <p:nvSpPr>
+          <p:cNvPr id="2" name="Title 1">
+            <a:extLst>
+              <a:ext uri="{FF2B5EF4-FFF2-40B4-BE49-F238E27FC236}">
+                <a16:creationId xmlns:a16="http://schemas.microsoft.com/office/drawing/2014/main" id="{ABE8B593-0ABB-7642-B90E-F3895B775AB8}"/>
+              </a:ext>
+            </a:extLst>
+          </p:cNvPr>
+          <p:cNvSpPr>
+            <a:spLocks noGrp="1"/>
+          </p:cNvSpPr>
+          <p:nvPr>
+            <p:ph type="title"/>
+          </p:nvPr>
+        </p:nvSpPr>
+        <p:spPr/>
+        <p:txBody>
+          <a:bodyPr/>
+          <a:lstStyle/>
+          <a:p>
+            <a:r>
+              <a:rPr lang="en-US" dirty="0"/>
+              <a:t>APPLICATIONS</a:t>
+            </a:r>
+          </a:p>
+        </p:txBody>
+      </p:sp>
+      <p:sp>
+        <p:nvSpPr>
+          <p:cNvPr id="3" name="Content Placeholder 2">
+            <a:extLst>
+              <a:ext uri="{FF2B5EF4-FFF2-40B4-BE49-F238E27FC236}">
+                <a16:creationId xmlns:a16="http://schemas.microsoft.com/office/drawing/2014/main" id="{8BC366B1-71F6-5B48-A15A-98D93DA64F8D}"/>
+              </a:ext>
+            </a:extLst>
+          </p:cNvPr>
+          <p:cNvSpPr>
+            <a:spLocks noGrp="1"/>
+          </p:cNvSpPr>
+          <p:nvPr>
+            <p:ph idx="1"/>
+          </p:nvPr>
+        </p:nvSpPr>
+        <p:spPr>
+          <a:xfrm>
+            <a:off x="1462568" y="1372924"/>
+            <a:ext cx="9989203" cy="3547419"/>
+          </a:xfrm>
+        </p:spPr>
+        <p:txBody>
+          <a:bodyPr>
+            <a:normAutofit fontScale="92500"/>
+          </a:bodyPr>
+          <a:lstStyle/>
+          <a:p>
+            <a:pPr fontAlgn="base"/>
+            <a:r>
+              <a:rPr lang="en-IN" sz="2800" b="1" dirty="0"/>
+              <a:t>Web Development</a:t>
+            </a:r>
+            <a:r>
+              <a:rPr lang="en-IN" sz="2800" dirty="0"/>
+              <a:t>: </a:t>
+            </a:r>
+            <a:r>
+              <a:rPr lang="en-IN" sz="2800" dirty="0">
+                <a:hlinkClick r:id="rId2"/>
+              </a:rPr>
+              <a:t>Django</a:t>
+            </a:r>
+            <a:r>
+              <a:rPr lang="en-IN" sz="2800" dirty="0"/>
+              <a:t>, </a:t>
+            </a:r>
+            <a:r>
+              <a:rPr lang="en-IN" sz="2800" dirty="0">
+                <a:hlinkClick r:id="rId3"/>
+              </a:rPr>
+              <a:t>Pyramid</a:t>
+            </a:r>
+            <a:r>
+              <a:rPr lang="en-IN" sz="2800" dirty="0"/>
+              <a:t>, </a:t>
+            </a:r>
+            <a:r>
+              <a:rPr lang="en-IN" sz="2800" dirty="0">
+                <a:hlinkClick r:id="rId4"/>
+              </a:rPr>
+              <a:t>Bottle</a:t>
+            </a:r>
+            <a:r>
+              <a:rPr lang="en-IN" sz="2800" dirty="0"/>
+              <a:t>, </a:t>
+            </a:r>
+            <a:r>
+              <a:rPr lang="en-IN" sz="2800" dirty="0">
+                <a:hlinkClick r:id="rId5"/>
+              </a:rPr>
+              <a:t>Tornado</a:t>
+            </a:r>
+            <a:r>
+              <a:rPr lang="en-IN" sz="2800" dirty="0"/>
+              <a:t>, </a:t>
+            </a:r>
+            <a:r>
+              <a:rPr lang="en-IN" sz="2800" dirty="0">
+                <a:hlinkClick r:id="rId6"/>
+              </a:rPr>
+              <a:t>Flask</a:t>
+            </a:r>
+            <a:r>
+              <a:rPr lang="en-IN" sz="2800" dirty="0"/>
+              <a:t>, </a:t>
+            </a:r>
+            <a:r>
+              <a:rPr lang="en-IN" sz="2800" dirty="0">
+                <a:hlinkClick r:id="rId7"/>
+              </a:rPr>
+              <a:t>web2py</a:t>
+            </a:r>
+            <a:endParaRPr lang="en-IN" sz="2800" dirty="0"/>
+          </a:p>
+          <a:p>
+            <a:pPr fontAlgn="base"/>
+            <a:r>
+              <a:rPr lang="en-IN" sz="2800" b="1" dirty="0"/>
+              <a:t>GUI Development</a:t>
+            </a:r>
+            <a:r>
+              <a:rPr lang="en-IN" sz="2800" dirty="0"/>
+              <a:t>: </a:t>
+            </a:r>
+            <a:r>
+              <a:rPr lang="en-IN" sz="2800" dirty="0">
+                <a:hlinkClick r:id="rId8"/>
+              </a:rPr>
+              <a:t>tkInter</a:t>
+            </a:r>
+            <a:r>
+              <a:rPr lang="en-IN" sz="2800" dirty="0"/>
+              <a:t>, </a:t>
+            </a:r>
+            <a:r>
+              <a:rPr lang="en-IN" sz="2800" dirty="0">
+                <a:hlinkClick r:id="rId9"/>
+              </a:rPr>
+              <a:t>PyGObject</a:t>
+            </a:r>
+            <a:r>
+              <a:rPr lang="en-IN" sz="2800" dirty="0"/>
+              <a:t>, </a:t>
+            </a:r>
+            <a:r>
+              <a:rPr lang="en-IN" sz="2800" dirty="0">
+                <a:hlinkClick r:id="rId10"/>
+              </a:rPr>
+              <a:t>PyQt</a:t>
+            </a:r>
+            <a:r>
+              <a:rPr lang="en-IN" sz="2800" dirty="0"/>
+              <a:t>, </a:t>
+            </a:r>
+            <a:r>
+              <a:rPr lang="en-IN" sz="2800" dirty="0">
+                <a:hlinkClick r:id="rId11"/>
+              </a:rPr>
+              <a:t>PySide</a:t>
+            </a:r>
+            <a:r>
+              <a:rPr lang="en-IN" sz="2800" dirty="0"/>
+              <a:t>, </a:t>
+            </a:r>
+            <a:r>
+              <a:rPr lang="en-IN" sz="2800" dirty="0">
+                <a:hlinkClick r:id="rId12"/>
+              </a:rPr>
+              <a:t>Kivy</a:t>
+            </a:r>
+            <a:r>
+              <a:rPr lang="en-IN" sz="2800" dirty="0"/>
+              <a:t>, </a:t>
+            </a:r>
+            <a:r>
+              <a:rPr lang="en-IN" sz="2800" dirty="0">
+                <a:hlinkClick r:id="rId13"/>
+              </a:rPr>
+              <a:t>wxPython</a:t>
+            </a:r>
+            <a:endParaRPr lang="en-IN" sz="2800" dirty="0"/>
+          </a:p>
+          <a:p>
+            <a:pPr fontAlgn="base"/>
+            <a:r>
+              <a:rPr lang="en-IN" sz="2800" b="1" dirty="0"/>
+              <a:t>Scientific and Numeric</a:t>
+            </a:r>
+            <a:r>
+              <a:rPr lang="en-IN" sz="2800" dirty="0"/>
+              <a:t>: </a:t>
+            </a:r>
+            <a:r>
+              <a:rPr lang="en-IN" sz="2800" dirty="0">
+                <a:hlinkClick r:id="rId14"/>
+              </a:rPr>
+              <a:t>SciPy</a:t>
+            </a:r>
+            <a:r>
+              <a:rPr lang="en-IN" sz="2800" dirty="0"/>
+              <a:t>, </a:t>
+            </a:r>
+            <a:r>
+              <a:rPr lang="en-IN" sz="2800" dirty="0">
+                <a:hlinkClick r:id="rId15"/>
+              </a:rPr>
+              <a:t>Pandas</a:t>
+            </a:r>
+            <a:r>
+              <a:rPr lang="en-IN" sz="2800" dirty="0"/>
+              <a:t>, </a:t>
+            </a:r>
+            <a:r>
+              <a:rPr lang="en-IN" sz="2800" dirty="0">
+                <a:hlinkClick r:id="rId16"/>
+              </a:rPr>
+              <a:t>IPython</a:t>
+            </a:r>
+            <a:endParaRPr lang="en-IN" sz="2800" dirty="0"/>
+          </a:p>
+          <a:p>
+            <a:pPr fontAlgn="base"/>
+            <a:r>
+              <a:rPr lang="en-IN" sz="2800" b="1" dirty="0"/>
+              <a:t>Software Development</a:t>
+            </a:r>
+            <a:r>
+              <a:rPr lang="en-IN" sz="2800" dirty="0"/>
+              <a:t>: </a:t>
+            </a:r>
+            <a:r>
+              <a:rPr lang="en-IN" sz="2800" dirty="0">
+                <a:hlinkClick r:id="rId17"/>
+              </a:rPr>
+              <a:t>Buildbot</a:t>
+            </a:r>
+            <a:r>
+              <a:rPr lang="en-IN" sz="2800" dirty="0"/>
+              <a:t>, </a:t>
+            </a:r>
+            <a:r>
+              <a:rPr lang="en-IN" sz="2800" dirty="0">
+                <a:hlinkClick r:id="rId18"/>
+              </a:rPr>
+              <a:t>Trac</a:t>
+            </a:r>
+            <a:r>
+              <a:rPr lang="en-IN" sz="2800" dirty="0"/>
+              <a:t>, </a:t>
+            </a:r>
+            <a:r>
+              <a:rPr lang="en-IN" sz="2800" dirty="0">
+                <a:hlinkClick r:id="rId19"/>
+              </a:rPr>
+              <a:t>Roundup</a:t>
+            </a:r>
+            <a:endParaRPr lang="en-IN" sz="2800" dirty="0"/>
+          </a:p>
+          <a:p>
+            <a:pPr fontAlgn="base"/>
+            <a:r>
+              <a:rPr lang="en-IN" sz="2800" b="1" dirty="0"/>
+              <a:t>System Administration</a:t>
+            </a:r>
+            <a:r>
+              <a:rPr lang="en-IN" sz="2800" dirty="0"/>
+              <a:t>: </a:t>
+            </a:r>
+            <a:r>
+              <a:rPr lang="en-IN" sz="2800" dirty="0">
+                <a:hlinkClick r:id="rId20"/>
+              </a:rPr>
+              <a:t>Ansible</a:t>
+            </a:r>
+            <a:r>
+              <a:rPr lang="en-IN" sz="2800" dirty="0"/>
+              <a:t>, </a:t>
+            </a:r>
+            <a:r>
+              <a:rPr lang="en-IN" sz="2800" dirty="0">
+                <a:hlinkClick r:id="rId21"/>
+              </a:rPr>
+              <a:t>Salt</a:t>
+            </a:r>
+            <a:r>
+              <a:rPr lang="en-IN" sz="2800" dirty="0"/>
+              <a:t>, </a:t>
+            </a:r>
+            <a:r>
+              <a:rPr lang="en-IN" sz="2800" dirty="0">
+                <a:hlinkClick r:id="rId22"/>
+              </a:rPr>
+              <a:t>OpenStack</a:t>
+            </a:r>
+            <a:endParaRPr lang="en-IN" sz="2800" dirty="0"/>
+          </a:p>
+        </p:txBody>
+      </p:sp>
+      <p:sp>
+        <p:nvSpPr>
+          <p:cNvPr id="4" name="TextBox 3">
+            <a:extLst>
+              <a:ext uri="{FF2B5EF4-FFF2-40B4-BE49-F238E27FC236}">
+                <a16:creationId xmlns:a16="http://schemas.microsoft.com/office/drawing/2014/main" id="{E9BB73CC-DB7A-D94D-9B19-D0F52857C2D3}"/>
+              </a:ext>
+            </a:extLst>
+          </p:cNvPr>
+          <p:cNvSpPr txBox="1"/>
+          <p:nvPr/>
+        </p:nvSpPr>
+        <p:spPr>
+          <a:xfrm>
+            <a:off x="9535886" y="6488668"/>
+            <a:ext cx="3338286" cy="369332"/>
+          </a:xfrm>
+          <a:prstGeom prst="rect">
+            <a:avLst/>
+          </a:prstGeom>
+          <a:noFill/>
+        </p:spPr>
+        <p:txBody>
+          <a:bodyPr wrap="square" rtlCol="0">
+            <a:spAutoFit/>
+          </a:bodyPr>
+          <a:lstStyle/>
+          <a:p>
+            <a:r>
+              <a:rPr lang="en-US" dirty="0"/>
+              <a:t>https://</a:t>
+            </a:r>
+            <a:r>
+              <a:rPr lang="en-US" dirty="0" err="1"/>
+              <a:t>www.python.org</a:t>
+            </a:r>
+            <a:r>
+              <a:rPr lang="en-US" dirty="0"/>
+              <a:t>/</a:t>
+            </a:r>
+          </a:p>
+        </p:txBody>
+      </p:sp>
+    </p:spTree>
+    <p:extLst>
+      <p:ext uri="{BB962C8B-B14F-4D97-AF65-F5344CB8AC3E}">
+        <p14:creationId xmlns:p14="http://schemas.microsoft.com/office/powerpoint/2010/main" val="1780666542"/>
+      </p:ext>
+    </p:extLst>
+  </p:cSld>
+  <p:clrMapOvr>
+    <a:masterClrMapping/>
+  </p:clrMapOvr>
+</p:sld>
+</file>
+
 <file path=ppt/slides/slide5.xml><?xml version="1.0" encoding="utf-8"?>
 <p:sld xmlns:a="http://schemas.openxmlformats.org/drawingml/2006/main" xmlns:r="http://schemas.openxmlformats.org/officeDocument/2006/relationships" xmlns:p="http://schemas.openxmlformats.org/presentationml/2006/main">
   <p:cSld>
@@ -6088,296 +4976,17 @@
           <a:p>
             <a:r>
               <a:rPr lang="en-US" dirty="0"/>
-              <a:t>APPLICATIONS</a:t>
-            </a:r>
-          </a:p>
-        </p:txBody>
-      </p:sp>
-      <p:sp>
-        <p:nvSpPr>
-          <p:cNvPr id="3" name="Content Placeholder 2">
+              <a:t>Some words</a:t>
+            </a:r>
+          </a:p>
+        </p:txBody>
+      </p:sp>
+      <p:sp>
+        <p:nvSpPr>
+          <p:cNvPr id="8" name="TextBox 7">
             <a:extLst>
               <a:ext uri="{FF2B5EF4-FFF2-40B4-BE49-F238E27FC236}">
-                <a16:creationId xmlns:a16="http://schemas.microsoft.com/office/drawing/2014/main" id="{8BC366B1-71F6-5B48-A15A-98D93DA64F8D}"/>
-              </a:ext>
-            </a:extLst>
-          </p:cNvPr>
-          <p:cNvSpPr>
-            <a:spLocks noGrp="1"/>
-          </p:cNvSpPr>
-          <p:nvPr>
-            <p:ph idx="1"/>
-          </p:nvPr>
-        </p:nvSpPr>
-        <p:spPr>
-          <a:xfrm>
-            <a:off x="1462568" y="1372924"/>
-            <a:ext cx="9989203" cy="3547419"/>
-          </a:xfrm>
-        </p:spPr>
-        <p:txBody>
-          <a:bodyPr>
-            <a:normAutofit fontScale="92500"/>
-          </a:bodyPr>
-          <a:lstStyle/>
-          <a:p>
-            <a:pPr fontAlgn="base"/>
-            <a:r>
-              <a:rPr lang="en-IN" sz="2800" b="1" dirty="0"/>
-              <a:t>Web Development</a:t>
-            </a:r>
-            <a:r>
-              <a:rPr lang="en-IN" sz="2800" dirty="0"/>
-              <a:t>: </a:t>
-            </a:r>
-            <a:r>
-              <a:rPr lang="en-IN" sz="2800" dirty="0">
-                <a:hlinkClick r:id="rId2"/>
-              </a:rPr>
-              <a:t>Django</a:t>
-            </a:r>
-            <a:r>
-              <a:rPr lang="en-IN" sz="2800" dirty="0"/>
-              <a:t>, </a:t>
-            </a:r>
-            <a:r>
-              <a:rPr lang="en-IN" sz="2800" dirty="0">
-                <a:hlinkClick r:id="rId3"/>
-              </a:rPr>
-              <a:t>Pyramid</a:t>
-            </a:r>
-            <a:r>
-              <a:rPr lang="en-IN" sz="2800" dirty="0"/>
-              <a:t>, </a:t>
-            </a:r>
-            <a:r>
-              <a:rPr lang="en-IN" sz="2800" dirty="0">
-                <a:hlinkClick r:id="rId4"/>
-              </a:rPr>
-              <a:t>Bottle</a:t>
-            </a:r>
-            <a:r>
-              <a:rPr lang="en-IN" sz="2800" dirty="0"/>
-              <a:t>, </a:t>
-            </a:r>
-            <a:r>
-              <a:rPr lang="en-IN" sz="2800" dirty="0">
-                <a:hlinkClick r:id="rId5"/>
-              </a:rPr>
-              <a:t>Tornado</a:t>
-            </a:r>
-            <a:r>
-              <a:rPr lang="en-IN" sz="2800" dirty="0"/>
-              <a:t>, </a:t>
-            </a:r>
-            <a:r>
-              <a:rPr lang="en-IN" sz="2800" dirty="0">
-                <a:hlinkClick r:id="rId6"/>
-              </a:rPr>
-              <a:t>Flask</a:t>
-            </a:r>
-            <a:r>
-              <a:rPr lang="en-IN" sz="2800" dirty="0"/>
-              <a:t>, </a:t>
-            </a:r>
-            <a:r>
-              <a:rPr lang="en-IN" sz="2800" dirty="0">
-                <a:hlinkClick r:id="rId7"/>
-              </a:rPr>
-              <a:t>web2py</a:t>
-            </a:r>
-            <a:endParaRPr lang="en-IN" sz="2800" dirty="0"/>
-          </a:p>
-          <a:p>
-            <a:pPr fontAlgn="base"/>
-            <a:r>
-              <a:rPr lang="en-IN" sz="2800" b="1" dirty="0"/>
-              <a:t>GUI Development</a:t>
-            </a:r>
-            <a:r>
-              <a:rPr lang="en-IN" sz="2800" dirty="0"/>
-              <a:t>: </a:t>
-            </a:r>
-            <a:r>
-              <a:rPr lang="en-IN" sz="2800" dirty="0">
-                <a:hlinkClick r:id="rId8"/>
-              </a:rPr>
-              <a:t>tkInter</a:t>
-            </a:r>
-            <a:r>
-              <a:rPr lang="en-IN" sz="2800" dirty="0"/>
-              <a:t>, </a:t>
-            </a:r>
-            <a:r>
-              <a:rPr lang="en-IN" sz="2800" dirty="0">
-                <a:hlinkClick r:id="rId9"/>
-              </a:rPr>
-              <a:t>PyGObject</a:t>
-            </a:r>
-            <a:r>
-              <a:rPr lang="en-IN" sz="2800" dirty="0"/>
-              <a:t>, </a:t>
-            </a:r>
-            <a:r>
-              <a:rPr lang="en-IN" sz="2800" dirty="0">
-                <a:hlinkClick r:id="rId10"/>
-              </a:rPr>
-              <a:t>PyQt</a:t>
-            </a:r>
-            <a:r>
-              <a:rPr lang="en-IN" sz="2800" dirty="0"/>
-              <a:t>, </a:t>
-            </a:r>
-            <a:r>
-              <a:rPr lang="en-IN" sz="2800" dirty="0">
-                <a:hlinkClick r:id="rId11"/>
-              </a:rPr>
-              <a:t>PySide</a:t>
-            </a:r>
-            <a:r>
-              <a:rPr lang="en-IN" sz="2800" dirty="0"/>
-              <a:t>, </a:t>
-            </a:r>
-            <a:r>
-              <a:rPr lang="en-IN" sz="2800" dirty="0">
-                <a:hlinkClick r:id="rId12"/>
-              </a:rPr>
-              <a:t>Kivy</a:t>
-            </a:r>
-            <a:r>
-              <a:rPr lang="en-IN" sz="2800" dirty="0"/>
-              <a:t>, </a:t>
-            </a:r>
-            <a:r>
-              <a:rPr lang="en-IN" sz="2800" dirty="0">
-                <a:hlinkClick r:id="rId13"/>
-              </a:rPr>
-              <a:t>wxPython</a:t>
-            </a:r>
-            <a:endParaRPr lang="en-IN" sz="2800" dirty="0"/>
-          </a:p>
-          <a:p>
-            <a:pPr fontAlgn="base"/>
-            <a:r>
-              <a:rPr lang="en-IN" sz="2800" b="1" dirty="0"/>
-              <a:t>Scientific and Numeric</a:t>
-            </a:r>
-            <a:r>
-              <a:rPr lang="en-IN" sz="2800" dirty="0"/>
-              <a:t>: </a:t>
-            </a:r>
-            <a:r>
-              <a:rPr lang="en-IN" sz="2800" dirty="0">
-                <a:hlinkClick r:id="rId14"/>
-              </a:rPr>
-              <a:t>SciPy</a:t>
-            </a:r>
-            <a:r>
-              <a:rPr lang="en-IN" sz="2800" dirty="0"/>
-              <a:t>, </a:t>
-            </a:r>
-            <a:r>
-              <a:rPr lang="en-IN" sz="2800" dirty="0">
-                <a:hlinkClick r:id="rId15"/>
-              </a:rPr>
-              <a:t>Pandas</a:t>
-            </a:r>
-            <a:r>
-              <a:rPr lang="en-IN" sz="2800" dirty="0"/>
-              <a:t>, </a:t>
-            </a:r>
-            <a:r>
-              <a:rPr lang="en-IN" sz="2800" dirty="0">
-                <a:hlinkClick r:id="rId16"/>
-              </a:rPr>
-              <a:t>IPython</a:t>
-            </a:r>
-            <a:endParaRPr lang="en-IN" sz="2800" dirty="0"/>
-          </a:p>
-          <a:p>
-            <a:pPr fontAlgn="base"/>
-            <a:r>
-              <a:rPr lang="en-IN" sz="2800" b="1" dirty="0"/>
-              <a:t>Software Development</a:t>
-            </a:r>
-            <a:r>
-              <a:rPr lang="en-IN" sz="2800" dirty="0"/>
-              <a:t>: </a:t>
-            </a:r>
-            <a:r>
-              <a:rPr lang="en-IN" sz="2800" dirty="0">
-                <a:hlinkClick r:id="rId17"/>
-              </a:rPr>
-              <a:t>Buildbot</a:t>
-            </a:r>
-            <a:r>
-              <a:rPr lang="en-IN" sz="2800" dirty="0"/>
-              <a:t>, </a:t>
-            </a:r>
-            <a:r>
-              <a:rPr lang="en-IN" sz="2800" dirty="0">
-                <a:hlinkClick r:id="rId18"/>
-              </a:rPr>
-              <a:t>Trac</a:t>
-            </a:r>
-            <a:r>
-              <a:rPr lang="en-IN" sz="2800" dirty="0"/>
-              <a:t>, </a:t>
-            </a:r>
-            <a:r>
-              <a:rPr lang="en-IN" sz="2800" dirty="0">
-                <a:hlinkClick r:id="rId19"/>
-              </a:rPr>
-              <a:t>Roundup</a:t>
-            </a:r>
-            <a:endParaRPr lang="en-IN" sz="2800" dirty="0"/>
-          </a:p>
-          <a:p>
-            <a:pPr fontAlgn="base"/>
-            <a:r>
-              <a:rPr lang="en-IN" sz="2800" b="1" dirty="0"/>
-              <a:t>System Administration</a:t>
-            </a:r>
-            <a:r>
-              <a:rPr lang="en-IN" sz="2800" dirty="0"/>
-              <a:t>: </a:t>
-            </a:r>
-            <a:r>
-              <a:rPr lang="en-IN" sz="2800" dirty="0">
-                <a:hlinkClick r:id="rId20"/>
-              </a:rPr>
-              <a:t>Ansible</a:t>
-            </a:r>
-            <a:r>
-              <a:rPr lang="en-IN" sz="2800" dirty="0"/>
-              <a:t>, </a:t>
-            </a:r>
-            <a:r>
-              <a:rPr lang="en-IN" sz="2800" dirty="0">
-                <a:hlinkClick r:id="rId21"/>
-              </a:rPr>
-              <a:t>Salt</a:t>
-            </a:r>
-            <a:r>
-              <a:rPr lang="en-IN" sz="2800" dirty="0"/>
-              <a:t>, </a:t>
-            </a:r>
-            <a:r>
-              <a:rPr lang="en-IN" sz="2800" dirty="0">
-                <a:hlinkClick r:id="rId22"/>
-              </a:rPr>
-              <a:t>OpenStack</a:t>
-            </a:r>
-            <a:endParaRPr lang="en-IN" sz="2800" dirty="0"/>
-          </a:p>
-        </p:txBody>
-      </p:sp>
-      <p:sp>
-        <p:nvSpPr>
-          <p:cNvPr id="4" name="TextBox 3">
-            <a:extLst>
-              <a:ext uri="{FF2B5EF4-FFF2-40B4-BE49-F238E27FC236}">
-                <a16:creationId xmlns:a16="http://schemas.microsoft.com/office/drawing/2014/main" id="{E9BB73CC-DB7A-D94D-9B19-D0F52857C2D3}"/>
+                <a16:creationId xmlns:a16="http://schemas.microsoft.com/office/drawing/2014/main" id="{0119929B-A1FB-C144-8B6C-F9DA1EC89F7C}"/>
               </a:ext>
             </a:extLst>
           </p:cNvPr>
@@ -6386,8 +4995,8 @@
         </p:nvSpPr>
         <p:spPr>
           <a:xfrm>
-            <a:off x="9535886" y="6488668"/>
-            <a:ext cx="3338286" cy="369332"/>
+            <a:off x="1538343" y="1592132"/>
+            <a:ext cx="6422315" cy="3970318"/>
           </a:xfrm>
           <a:prstGeom prst="rect">
             <a:avLst/>
@@ -6400,17 +5009,125 @@
           </a:bodyPr>
           <a:lstStyle/>
           <a:p>
+            <a:pPr marL="285750" indent="-285750">
+              <a:buFont typeface="Arial" panose="020B0604020202020204" pitchFamily="34" charset="0"/>
+              <a:buChar char="•"/>
+            </a:pPr>
+            <a:r>
+              <a:rPr lang="en-US" sz="3600" dirty="0"/>
+              <a:t>Expressions</a:t>
+            </a:r>
+          </a:p>
+          <a:p>
+            <a:pPr marL="285750" indent="-285750">
+              <a:buFont typeface="Arial" panose="020B0604020202020204" pitchFamily="34" charset="0"/>
+              <a:buChar char="•"/>
+            </a:pPr>
+            <a:r>
+              <a:rPr lang="en-US" sz="3600" dirty="0" err="1"/>
+              <a:t>Github</a:t>
+            </a:r>
+            <a:r>
+              <a:rPr lang="en-US" sz="3600" dirty="0"/>
+              <a:t>/Gitlab</a:t>
+            </a:r>
+          </a:p>
+          <a:p>
+            <a:pPr marL="285750" indent="-285750">
+              <a:buFont typeface="Arial" panose="020B0604020202020204" pitchFamily="34" charset="0"/>
+              <a:buChar char="•"/>
+            </a:pPr>
+            <a:r>
+              <a:rPr lang="en-US" sz="3600" dirty="0"/>
+              <a:t>Terminal</a:t>
+            </a:r>
+          </a:p>
+          <a:p>
+            <a:pPr marL="285750" indent="-285750">
+              <a:buFont typeface="Arial" panose="020B0604020202020204" pitchFamily="34" charset="0"/>
+              <a:buChar char="•"/>
+            </a:pPr>
+            <a:r>
+              <a:rPr lang="en-US" sz="3600" dirty="0"/>
+              <a:t>Notebook</a:t>
+            </a:r>
+          </a:p>
+          <a:p>
+            <a:pPr marL="285750" indent="-285750">
+              <a:buFont typeface="Arial" panose="020B0604020202020204" pitchFamily="34" charset="0"/>
+              <a:buChar char="•"/>
+            </a:pPr>
+            <a:r>
+              <a:rPr lang="en-US" sz="3600" dirty="0"/>
+              <a:t>Packages</a:t>
+            </a:r>
+          </a:p>
+          <a:p>
+            <a:pPr marL="285750" indent="-285750">
+              <a:buFont typeface="Arial" panose="020B0604020202020204" pitchFamily="34" charset="0"/>
+              <a:buChar char="•"/>
+            </a:pPr>
+            <a:r>
+              <a:rPr lang="en-US" sz="3600" dirty="0" err="1"/>
+              <a:t>Stackoverflow</a:t>
+            </a:r>
+            <a:endParaRPr lang="en-US" sz="3600" dirty="0"/>
+          </a:p>
+          <a:p>
+            <a:pPr marL="285750" indent="-285750">
+              <a:buFont typeface="Arial" panose="020B0604020202020204" pitchFamily="34" charset="0"/>
+              <a:buChar char="•"/>
+            </a:pPr>
+            <a:endParaRPr lang="en-US" sz="3600" dirty="0"/>
+          </a:p>
+        </p:txBody>
+      </p:sp>
+      <p:sp>
+        <p:nvSpPr>
+          <p:cNvPr id="10" name="Rectangle 9">
+            <a:extLst>
+              <a:ext uri="{FF2B5EF4-FFF2-40B4-BE49-F238E27FC236}">
+                <a16:creationId xmlns:a16="http://schemas.microsoft.com/office/drawing/2014/main" id="{6B18E92A-3882-3046-A909-1ADACA12CF8A}"/>
+              </a:ext>
+            </a:extLst>
+          </p:cNvPr>
+          <p:cNvSpPr/>
+          <p:nvPr/>
+        </p:nvSpPr>
+        <p:spPr>
+          <a:xfrm>
+            <a:off x="7056631" y="6349645"/>
+            <a:ext cx="4985147" cy="369332"/>
+          </a:xfrm>
+          <a:prstGeom prst="rect">
+            <a:avLst/>
+          </a:prstGeom>
+        </p:spPr>
+        <p:txBody>
+          <a:bodyPr wrap="none">
+            <a:spAutoFit/>
+          </a:bodyPr>
+          <a:lstStyle/>
+          <a:p>
             <a:r>
               <a:rPr lang="en-US" dirty="0"/>
               <a:t>https://</a:t>
             </a:r>
             <a:r>
               <a:rPr lang="en-US" dirty="0" err="1"/>
-              <a:t>www.python.org</a:t>
+              <a:t>github.com</a:t>
             </a:r>
             <a:r>
               <a:rPr lang="en-US" dirty="0"/>
               <a:t>/</a:t>
+            </a:r>
+            <a:r>
+              <a:rPr lang="en-US" dirty="0" err="1"/>
+              <a:t>markchand</a:t>
+            </a:r>
+            <a:r>
+              <a:rPr lang="en-US" dirty="0"/>
+              <a:t>/Python-for-Beginners</a:t>
             </a:r>
           </a:p>
         </p:txBody>
@@ -6418,7 +5135,7 @@
     </p:spTree>
     <p:extLst>
       <p:ext uri="{BB962C8B-B14F-4D97-AF65-F5344CB8AC3E}">
-        <p14:creationId xmlns:p14="http://schemas.microsoft.com/office/powerpoint/2010/main" val="1780666542"/>
+        <p14:creationId xmlns:p14="http://schemas.microsoft.com/office/powerpoint/2010/main" val="956395404"/>
       </p:ext>
     </p:extLst>
   </p:cSld>
@@ -6450,7 +5167,7 @@
           <p:cNvPr id="2" name="Title 1">
             <a:extLst>
               <a:ext uri="{FF2B5EF4-FFF2-40B4-BE49-F238E27FC236}">
-                <a16:creationId xmlns:a16="http://schemas.microsoft.com/office/drawing/2014/main" id="{ABE8B593-0ABB-7642-B90E-F3895B775AB8}"/>
+                <a16:creationId xmlns:a16="http://schemas.microsoft.com/office/drawing/2014/main" id="{E92D8EFE-4D1E-5B4A-905B-645FD98E2062}"/>
               </a:ext>
             </a:extLst>
           </p:cNvPr>
@@ -6458,126 +5175,33 @@
             <a:spLocks noGrp="1"/>
           </p:cNvSpPr>
           <p:nvPr>
-            <p:ph type="title"/>
-          </p:nvPr>
-        </p:nvSpPr>
-        <p:spPr/>
-        <p:txBody>
-          <a:bodyPr/>
-          <a:lstStyle/>
-          <a:p>
+            <p:ph type="ctrTitle"/>
+          </p:nvPr>
+        </p:nvSpPr>
+        <p:spPr>
+          <a:xfrm>
+            <a:off x="2098465" y="887569"/>
+            <a:ext cx="8637073" cy="2541431"/>
+          </a:xfrm>
+        </p:spPr>
+        <p:txBody>
+          <a:bodyPr>
+            <a:normAutofit/>
+          </a:bodyPr>
+          <a:lstStyle/>
+          <a:p>
+            <a:pPr algn="ctr"/>
             <a:r>
               <a:rPr lang="en-US" dirty="0"/>
-              <a:t>Some words</a:t>
-            </a:r>
-          </a:p>
-        </p:txBody>
-      </p:sp>
-      <p:sp>
-        <p:nvSpPr>
-          <p:cNvPr id="8" name="TextBox 7">
-            <a:extLst>
-              <a:ext uri="{FF2B5EF4-FFF2-40B4-BE49-F238E27FC236}">
-                <a16:creationId xmlns:a16="http://schemas.microsoft.com/office/drawing/2014/main" id="{0119929B-A1FB-C144-8B6C-F9DA1EC89F7C}"/>
-              </a:ext>
-            </a:extLst>
-          </p:cNvPr>
-          <p:cNvSpPr txBox="1"/>
-          <p:nvPr/>
-        </p:nvSpPr>
-        <p:spPr>
-          <a:xfrm>
-            <a:off x="1538343" y="1592132"/>
-            <a:ext cx="6422315" cy="3970318"/>
-          </a:xfrm>
-          <a:prstGeom prst="rect">
-            <a:avLst/>
-          </a:prstGeom>
-          <a:noFill/>
-        </p:spPr>
-        <p:txBody>
-          <a:bodyPr wrap="square" rtlCol="0">
-            <a:spAutoFit/>
-          </a:bodyPr>
-          <a:lstStyle/>
-          <a:p>
-            <a:pPr marL="285750" indent="-285750">
-              <a:buFont typeface="Arial" panose="020B0604020202020204" pitchFamily="34" charset="0"/>
-              <a:buChar char="•"/>
-            </a:pPr>
-            <a:r>
-              <a:rPr lang="en-US" sz="3600" dirty="0"/>
-              <a:t>Expressions</a:t>
-            </a:r>
-          </a:p>
-          <a:p>
-            <a:pPr marL="285750" indent="-285750">
-              <a:buFont typeface="Arial" panose="020B0604020202020204" pitchFamily="34" charset="0"/>
-              <a:buChar char="•"/>
-            </a:pPr>
-            <a:r>
-              <a:rPr lang="en-US" sz="3600" dirty="0" err="1"/>
-              <a:t>Github</a:t>
-            </a:r>
-            <a:r>
-              <a:rPr lang="en-US" sz="3600" dirty="0"/>
-              <a:t>/Gitlab</a:t>
-            </a:r>
-          </a:p>
-          <a:p>
-            <a:pPr marL="285750" indent="-285750">
-              <a:buFont typeface="Arial" panose="020B0604020202020204" pitchFamily="34" charset="0"/>
-              <a:buChar char="•"/>
-            </a:pPr>
-            <a:r>
-              <a:rPr lang="en-US" sz="3600" dirty="0"/>
-              <a:t>Terminal</a:t>
-            </a:r>
-          </a:p>
-          <a:p>
-            <a:pPr marL="285750" indent="-285750">
-              <a:buFont typeface="Arial" panose="020B0604020202020204" pitchFamily="34" charset="0"/>
-              <a:buChar char="•"/>
-            </a:pPr>
-            <a:r>
-              <a:rPr lang="en-US" sz="3600" dirty="0"/>
-              <a:t>Notebook</a:t>
-            </a:r>
-          </a:p>
-          <a:p>
-            <a:pPr marL="285750" indent="-285750">
-              <a:buFont typeface="Arial" panose="020B0604020202020204" pitchFamily="34" charset="0"/>
-              <a:buChar char="•"/>
-            </a:pPr>
-            <a:r>
-              <a:rPr lang="en-US" sz="3600" dirty="0"/>
-              <a:t>Packages</a:t>
-            </a:r>
-          </a:p>
-          <a:p>
-            <a:pPr marL="285750" indent="-285750">
-              <a:buFont typeface="Arial" panose="020B0604020202020204" pitchFamily="34" charset="0"/>
-              <a:buChar char="•"/>
-            </a:pPr>
-            <a:r>
-              <a:rPr lang="en-US" sz="3600" dirty="0" err="1"/>
-              <a:t>Stackoverflow</a:t>
-            </a:r>
-            <a:endParaRPr lang="en-US" sz="3600" dirty="0"/>
-          </a:p>
-          <a:p>
-            <a:pPr marL="285750" indent="-285750">
-              <a:buFont typeface="Arial" panose="020B0604020202020204" pitchFamily="34" charset="0"/>
-              <a:buChar char="•"/>
-            </a:pPr>
-            <a:endParaRPr lang="en-US" sz="3600" dirty="0"/>
+              <a:t>CODE INTRO</a:t>
+            </a:r>
           </a:p>
         </p:txBody>
       </p:sp>
     </p:spTree>
     <p:extLst>
       <p:ext uri="{BB962C8B-B14F-4D97-AF65-F5344CB8AC3E}">
-        <p14:creationId xmlns:p14="http://schemas.microsoft.com/office/powerpoint/2010/main" val="956395404"/>
+        <p14:creationId xmlns:p14="http://schemas.microsoft.com/office/powerpoint/2010/main" val="1800562127"/>
       </p:ext>
     </p:extLst>
   </p:cSld>
@@ -6635,72 +5259,6 @@
             <a:pPr algn="ctr"/>
             <a:r>
               <a:rPr lang="en-US" dirty="0"/>
-              <a:t>CODE INTRO</a:t>
-            </a:r>
-          </a:p>
-        </p:txBody>
-      </p:sp>
-    </p:spTree>
-    <p:extLst>
-      <p:ext uri="{BB962C8B-B14F-4D97-AF65-F5344CB8AC3E}">
-        <p14:creationId xmlns:p14="http://schemas.microsoft.com/office/powerpoint/2010/main" val="1800562127"/>
-      </p:ext>
-    </p:extLst>
-  </p:cSld>
-  <p:clrMapOvr>
-    <a:masterClrMapping/>
-  </p:clrMapOvr>
-</p:sld>
-</file>
-
-<file path=ppt/slides/slide8.xml><?xml version="1.0" encoding="utf-8"?>
-<p:sld xmlns:a="http://schemas.openxmlformats.org/drawingml/2006/main" xmlns:r="http://schemas.openxmlformats.org/officeDocument/2006/relationships" xmlns:p="http://schemas.openxmlformats.org/presentationml/2006/main">
-  <p:cSld>
-    <p:spTree>
-      <p:nvGrpSpPr>
-        <p:cNvPr id="1" name=""/>
-        <p:cNvGrpSpPr/>
-        <p:nvPr/>
-      </p:nvGrpSpPr>
-      <p:grpSpPr>
-        <a:xfrm>
-          <a:off x="0" y="0"/>
-          <a:ext cx="0" cy="0"/>
-          <a:chOff x="0" y="0"/>
-          <a:chExt cx="0" cy="0"/>
-        </a:xfrm>
-      </p:grpSpPr>
-      <p:sp>
-        <p:nvSpPr>
-          <p:cNvPr id="2" name="Title 1">
-            <a:extLst>
-              <a:ext uri="{FF2B5EF4-FFF2-40B4-BE49-F238E27FC236}">
-                <a16:creationId xmlns:a16="http://schemas.microsoft.com/office/drawing/2014/main" id="{E92D8EFE-4D1E-5B4A-905B-645FD98E2062}"/>
-              </a:ext>
-            </a:extLst>
-          </p:cNvPr>
-          <p:cNvSpPr>
-            <a:spLocks noGrp="1"/>
-          </p:cNvSpPr>
-          <p:nvPr>
-            <p:ph type="ctrTitle"/>
-          </p:nvPr>
-        </p:nvSpPr>
-        <p:spPr>
-          <a:xfrm>
-            <a:off x="2098465" y="887569"/>
-            <a:ext cx="8637073" cy="2541431"/>
-          </a:xfrm>
-        </p:spPr>
-        <p:txBody>
-          <a:bodyPr>
-            <a:normAutofit/>
-          </a:bodyPr>
-          <a:lstStyle/>
-          <a:p>
-            <a:pPr algn="ctr"/>
-            <a:r>
-              <a:rPr lang="en-US" dirty="0"/>
               <a:t>PROJECTS</a:t>
             </a:r>
           </a:p>
@@ -6719,7 +5277,7 @@
 </p:sld>
 </file>
 
-<file path=ppt/slides/slide9.xml><?xml version="1.0" encoding="utf-8"?>
+<file path=ppt/slides/slide8.xml><?xml version="1.0" encoding="utf-8"?>
 <p:sld xmlns:a="http://schemas.openxmlformats.org/drawingml/2006/main" xmlns:r="http://schemas.openxmlformats.org/officeDocument/2006/relationships" xmlns:p="http://schemas.openxmlformats.org/presentationml/2006/main">
   <p:cSld>
     <p:spTree>
@@ -6929,6 +5487,677 @@
   <p:clrMapOvr>
     <a:masterClrMapping/>
   </p:clrMapOvr>
+</p:sld>
+</file>
+
+<file path=ppt/slides/slide9.xml><?xml version="1.0" encoding="utf-8"?>
+<p:sld xmlns:a="http://schemas.openxmlformats.org/drawingml/2006/main" xmlns:r="http://schemas.openxmlformats.org/officeDocument/2006/relationships" xmlns:p="http://schemas.openxmlformats.org/presentationml/2006/main">
+  <p:cSld>
+    <p:spTree>
+      <p:nvGrpSpPr>
+        <p:cNvPr id="1" name=""/>
+        <p:cNvGrpSpPr/>
+        <p:nvPr/>
+      </p:nvGrpSpPr>
+      <p:grpSpPr>
+        <a:xfrm>
+          <a:off x="0" y="0"/>
+          <a:ext cx="0" cy="0"/>
+          <a:chOff x="0" y="0"/>
+          <a:chExt cx="0" cy="0"/>
+        </a:xfrm>
+      </p:grpSpPr>
+      <p:sp>
+        <p:nvSpPr>
+          <p:cNvPr id="7" name="Title 3"/>
+          <p:cNvSpPr txBox="1">
+            <a:spLocks/>
+          </p:cNvSpPr>
+          <p:nvPr/>
+        </p:nvSpPr>
+        <p:spPr>
+          <a:xfrm>
+            <a:off x="820761" y="129324"/>
+            <a:ext cx="6889896" cy="825012"/>
+          </a:xfrm>
+          <a:prstGeom prst="rect">
+            <a:avLst/>
+          </a:prstGeom>
+        </p:spPr>
+        <p:txBody>
+          <a:bodyPr vert="horz" lIns="0" tIns="0" rIns="0" bIns="0" rtlCol="0" anchor="t" anchorCtr="0">
+            <a:noAutofit/>
+          </a:bodyPr>
+          <a:lstStyle>
+            <a:lvl1pPr algn="l" defTabSz="914400" rtl="0" eaLnBrk="1" latinLnBrk="0" hangingPunct="1">
+              <a:spcBef>
+                <a:spcPct val="0"/>
+              </a:spcBef>
+              <a:buNone/>
+              <a:defRPr sz="2400" b="1" kern="1200">
+                <a:solidFill>
+                  <a:schemeClr val="accent1"/>
+                </a:solidFill>
+                <a:latin typeface="Vodafone Rg" pitchFamily="34" charset="0"/>
+                <a:ea typeface="+mj-ea"/>
+                <a:cs typeface="+mj-cs"/>
+              </a:defRPr>
+            </a:lvl1pPr>
+          </a:lstStyle>
+          <a:p>
+            <a:r>
+              <a:rPr lang="en-GB" sz="4800" b="0" cap="all" dirty="0">
+                <a:solidFill>
+                  <a:schemeClr val="tx1"/>
+                </a:solidFill>
+                <a:latin typeface="+mj-lt"/>
+              </a:rPr>
+              <a:t>Showcase</a:t>
+            </a:r>
+            <a:endParaRPr lang="en-GB" sz="7200" dirty="0"/>
+          </a:p>
+        </p:txBody>
+      </p:sp>
+      <p:sp>
+        <p:nvSpPr>
+          <p:cNvPr id="5" name="Title 3"/>
+          <p:cNvSpPr>
+            <a:spLocks noGrp="1"/>
+          </p:cNvSpPr>
+          <p:nvPr>
+            <p:ph type="title"/>
+          </p:nvPr>
+        </p:nvSpPr>
+        <p:spPr>
+          <a:xfrm>
+            <a:off x="313973" y="1825802"/>
+            <a:ext cx="2809384" cy="825012"/>
+          </a:xfrm>
+        </p:spPr>
+        <p:txBody>
+          <a:bodyPr>
+            <a:normAutofit fontScale="90000"/>
+          </a:bodyPr>
+          <a:lstStyle/>
+          <a:p>
+            <a:pPr algn="ctr"/>
+            <a:r>
+              <a:rPr lang="en-GB" dirty="0"/>
+              <a:t>Code </a:t>
+            </a:r>
+            <a:br>
+              <a:rPr lang="en-GB" dirty="0"/>
+            </a:br>
+            <a:r>
+              <a:rPr lang="en-GB" dirty="0"/>
+              <a:t>{Projects}</a:t>
+            </a:r>
+          </a:p>
+        </p:txBody>
+      </p:sp>
+      <p:pic>
+        <p:nvPicPr>
+          <p:cNvPr id="9" name="Picture 2"/>
+          <p:cNvPicPr>
+            <a:picLocks noChangeAspect="1" noChangeArrowheads="1"/>
+          </p:cNvPicPr>
+          <p:nvPr/>
+        </p:nvPicPr>
+        <p:blipFill>
+          <a:blip r:embed="rId3" cstate="print">
+            <a:extLst>
+              <a:ext uri="{28A0092B-C50C-407E-A947-70E740481C1C}">
+                <a14:useLocalDpi xmlns:a14="http://schemas.microsoft.com/office/drawing/2010/main" val="0"/>
+              </a:ext>
+            </a:extLst>
+          </a:blip>
+          <a:srcRect/>
+          <a:stretch>
+            <a:fillRect/>
+          </a:stretch>
+        </p:blipFill>
+        <p:spPr bwMode="auto">
+          <a:xfrm>
+            <a:off x="771642" y="3055434"/>
+            <a:ext cx="1995933" cy="649207"/>
+          </a:xfrm>
+          <a:prstGeom prst="rect">
+            <a:avLst/>
+          </a:prstGeom>
+          <a:noFill/>
+          <a:ln>
+            <a:noFill/>
+          </a:ln>
+          <a:extLst>
+            <a:ext uri="{909E8E84-426E-40DD-AFC4-6F175D3DCCD1}">
+              <a14:hiddenFill xmlns:a14="http://schemas.microsoft.com/office/drawing/2010/main">
+                <a:solidFill>
+                  <a:schemeClr val="accent1"/>
+                </a:solidFill>
+              </a14:hiddenFill>
+            </a:ext>
+            <a:ext uri="{91240B29-F687-4F45-9708-019B960494DF}">
+              <a14:hiddenLine xmlns:a14="http://schemas.microsoft.com/office/drawing/2010/main" w="9525">
+                <a:solidFill>
+                  <a:schemeClr val="tx1"/>
+                </a:solidFill>
+                <a:miter lim="800000"/>
+                <a:headEnd/>
+                <a:tailEnd/>
+              </a14:hiddenLine>
+            </a:ext>
+          </a:extLst>
+        </p:spPr>
+      </p:pic>
+      <p:sp>
+        <p:nvSpPr>
+          <p:cNvPr id="10" name="Title 3"/>
+          <p:cNvSpPr txBox="1">
+            <a:spLocks/>
+          </p:cNvSpPr>
+          <p:nvPr/>
+        </p:nvSpPr>
+        <p:spPr>
+          <a:xfrm>
+            <a:off x="4265709" y="1892939"/>
+            <a:ext cx="3236329" cy="825012"/>
+          </a:xfrm>
+          <a:prstGeom prst="rect">
+            <a:avLst/>
+          </a:prstGeom>
+        </p:spPr>
+        <p:txBody>
+          <a:bodyPr vert="horz" lIns="91440" tIns="45720" rIns="91440" bIns="45720" rtlCol="0" anchor="t">
+            <a:normAutofit fontScale="82500" lnSpcReduction="10000"/>
+          </a:bodyPr>
+          <a:lstStyle>
+            <a:lvl1pPr algn="ctr" defTabSz="914400">
+              <a:lnSpc>
+                <a:spcPct val="90000"/>
+              </a:lnSpc>
+              <a:spcBef>
+                <a:spcPct val="0"/>
+              </a:spcBef>
+              <a:buNone/>
+              <a:defRPr sz="3200" b="0" i="0" cap="all">
+                <a:effectLst/>
+                <a:latin typeface="+mj-lt"/>
+                <a:ea typeface="+mj-ea"/>
+                <a:cs typeface="+mj-cs"/>
+              </a:defRPr>
+            </a:lvl1pPr>
+          </a:lstStyle>
+          <a:p>
+            <a:r>
+              <a:rPr lang="en-GB" dirty="0"/>
+              <a:t>Design </a:t>
+            </a:r>
+          </a:p>
+          <a:p>
+            <a:r>
+              <a:rPr lang="en-GB" dirty="0"/>
+              <a:t>{UI, UX, Art, Logo}</a:t>
+            </a:r>
+          </a:p>
+        </p:txBody>
+      </p:sp>
+      <p:pic>
+        <p:nvPicPr>
+          <p:cNvPr id="11" name="Picture 3"/>
+          <p:cNvPicPr>
+            <a:picLocks noChangeAspect="1" noChangeArrowheads="1"/>
+          </p:cNvPicPr>
+          <p:nvPr/>
+        </p:nvPicPr>
+        <p:blipFill>
+          <a:blip r:embed="rId4" cstate="print">
+            <a:extLst>
+              <a:ext uri="{28A0092B-C50C-407E-A947-70E740481C1C}">
+                <a14:useLocalDpi xmlns:a14="http://schemas.microsoft.com/office/drawing/2010/main" val="0"/>
+              </a:ext>
+            </a:extLst>
+          </a:blip>
+          <a:srcRect/>
+          <a:stretch>
+            <a:fillRect/>
+          </a:stretch>
+        </p:blipFill>
+        <p:spPr bwMode="auto">
+          <a:xfrm>
+            <a:off x="4712817" y="2782229"/>
+            <a:ext cx="2739361" cy="916593"/>
+          </a:xfrm>
+          <a:prstGeom prst="rect">
+            <a:avLst/>
+          </a:prstGeom>
+          <a:noFill/>
+          <a:ln>
+            <a:noFill/>
+          </a:ln>
+          <a:extLst>
+            <a:ext uri="{909E8E84-426E-40DD-AFC4-6F175D3DCCD1}">
+              <a14:hiddenFill xmlns:a14="http://schemas.microsoft.com/office/drawing/2010/main">
+                <a:solidFill>
+                  <a:schemeClr val="accent1"/>
+                </a:solidFill>
+              </a14:hiddenFill>
+            </a:ext>
+            <a:ext uri="{91240B29-F687-4F45-9708-019B960494DF}">
+              <a14:hiddenLine xmlns:a14="http://schemas.microsoft.com/office/drawing/2010/main" w="9525">
+                <a:solidFill>
+                  <a:schemeClr val="tx1"/>
+                </a:solidFill>
+                <a:miter lim="800000"/>
+                <a:headEnd/>
+                <a:tailEnd/>
+              </a14:hiddenLine>
+            </a:ext>
+          </a:extLst>
+        </p:spPr>
+      </p:pic>
+      <p:sp>
+        <p:nvSpPr>
+          <p:cNvPr id="12" name="Title 3"/>
+          <p:cNvSpPr txBox="1">
+            <a:spLocks/>
+          </p:cNvSpPr>
+          <p:nvPr/>
+        </p:nvSpPr>
+        <p:spPr>
+          <a:xfrm>
+            <a:off x="8411090" y="1729977"/>
+            <a:ext cx="3236329" cy="825012"/>
+          </a:xfrm>
+          <a:prstGeom prst="rect">
+            <a:avLst/>
+          </a:prstGeom>
+        </p:spPr>
+        <p:txBody>
+          <a:bodyPr vert="horz" lIns="0" tIns="0" rIns="0" bIns="0" rtlCol="0" anchor="t" anchorCtr="0">
+            <a:noAutofit/>
+          </a:bodyPr>
+          <a:lstStyle>
+            <a:lvl1pPr algn="l" defTabSz="914400" rtl="0" eaLnBrk="1" latinLnBrk="0" hangingPunct="1">
+              <a:spcBef>
+                <a:spcPct val="0"/>
+              </a:spcBef>
+              <a:buNone/>
+              <a:defRPr sz="2400" b="1" kern="1200">
+                <a:solidFill>
+                  <a:schemeClr val="accent1"/>
+                </a:solidFill>
+                <a:latin typeface="Vodafone Rg" pitchFamily="34" charset="0"/>
+                <a:ea typeface="+mj-ea"/>
+                <a:cs typeface="+mj-cs"/>
+              </a:defRPr>
+            </a:lvl1pPr>
+          </a:lstStyle>
+          <a:p>
+            <a:pPr algn="ctr"/>
+            <a:r>
+              <a:rPr lang="en-GB" sz="3200" dirty="0"/>
+              <a:t>Write</a:t>
+            </a:r>
+          </a:p>
+          <a:p>
+            <a:pPr algn="ctr"/>
+            <a:r>
+              <a:rPr lang="en-GB" sz="3200" dirty="0"/>
+              <a:t>{Blog/Books}</a:t>
+            </a:r>
+          </a:p>
+        </p:txBody>
+      </p:sp>
+      <p:pic>
+        <p:nvPicPr>
+          <p:cNvPr id="13" name="Picture 8"/>
+          <p:cNvPicPr>
+            <a:picLocks noChangeAspect="1" noChangeArrowheads="1"/>
+          </p:cNvPicPr>
+          <p:nvPr/>
+        </p:nvPicPr>
+        <p:blipFill>
+          <a:blip r:embed="rId5" cstate="print">
+            <a:extLst>
+              <a:ext uri="{28A0092B-C50C-407E-A947-70E740481C1C}">
+                <a14:useLocalDpi xmlns:a14="http://schemas.microsoft.com/office/drawing/2010/main" val="0"/>
+              </a:ext>
+            </a:extLst>
+          </a:blip>
+          <a:srcRect/>
+          <a:stretch>
+            <a:fillRect/>
+          </a:stretch>
+        </p:blipFill>
+        <p:spPr bwMode="auto">
+          <a:xfrm>
+            <a:off x="8877192" y="2710443"/>
+            <a:ext cx="2511125" cy="623656"/>
+          </a:xfrm>
+          <a:prstGeom prst="rect">
+            <a:avLst/>
+          </a:prstGeom>
+          <a:noFill/>
+          <a:ln>
+            <a:noFill/>
+          </a:ln>
+          <a:extLst>
+            <a:ext uri="{909E8E84-426E-40DD-AFC4-6F175D3DCCD1}">
+              <a14:hiddenFill xmlns:a14="http://schemas.microsoft.com/office/drawing/2010/main">
+                <a:solidFill>
+                  <a:schemeClr val="accent1"/>
+                </a:solidFill>
+              </a14:hiddenFill>
+            </a:ext>
+            <a:ext uri="{91240B29-F687-4F45-9708-019B960494DF}">
+              <a14:hiddenLine xmlns:a14="http://schemas.microsoft.com/office/drawing/2010/main" w="9525">
+                <a:solidFill>
+                  <a:schemeClr val="tx1"/>
+                </a:solidFill>
+                <a:miter lim="800000"/>
+                <a:headEnd/>
+                <a:tailEnd/>
+              </a14:hiddenLine>
+            </a:ext>
+          </a:extLst>
+        </p:spPr>
+      </p:pic>
+      <p:pic>
+        <p:nvPicPr>
+          <p:cNvPr id="28674" name="Picture 2" descr="https://images-na.ssl-images-amazon.com/images/G/01/otp/general/kdp-logo-stacked-a.gif"/>
+          <p:cNvPicPr>
+            <a:picLocks noChangeAspect="1" noChangeArrowheads="1"/>
+          </p:cNvPicPr>
+          <p:nvPr/>
+        </p:nvPicPr>
+        <p:blipFill>
+          <a:blip r:embed="rId6">
+            <a:extLst>
+              <a:ext uri="{28A0092B-C50C-407E-A947-70E740481C1C}">
+                <a14:useLocalDpi xmlns:a14="http://schemas.microsoft.com/office/drawing/2010/main" val="0"/>
+              </a:ext>
+            </a:extLst>
+          </a:blip>
+          <a:srcRect/>
+          <a:stretch>
+            <a:fillRect/>
+          </a:stretch>
+        </p:blipFill>
+        <p:spPr bwMode="auto">
+          <a:xfrm>
+            <a:off x="8919906" y="3278721"/>
+            <a:ext cx="2425700" cy="812800"/>
+          </a:xfrm>
+          <a:prstGeom prst="rect">
+            <a:avLst/>
+          </a:prstGeom>
+          <a:noFill/>
+          <a:extLst>
+            <a:ext uri="{909E8E84-426E-40DD-AFC4-6F175D3DCCD1}">
+              <a14:hiddenFill xmlns:a14="http://schemas.microsoft.com/office/drawing/2010/main">
+                <a:solidFill>
+                  <a:srgbClr val="FFFFFF"/>
+                </a:solidFill>
+              </a14:hiddenFill>
+            </a:ext>
+          </a:extLst>
+        </p:spPr>
+      </p:pic>
+      <p:sp>
+        <p:nvSpPr>
+          <p:cNvPr id="14" name="Title 3"/>
+          <p:cNvSpPr txBox="1">
+            <a:spLocks/>
+          </p:cNvSpPr>
+          <p:nvPr/>
+        </p:nvSpPr>
+        <p:spPr>
+          <a:xfrm>
+            <a:off x="1981644" y="4207191"/>
+            <a:ext cx="3236329" cy="825012"/>
+          </a:xfrm>
+          <a:prstGeom prst="rect">
+            <a:avLst/>
+          </a:prstGeom>
+        </p:spPr>
+        <p:txBody>
+          <a:bodyPr vert="horz" lIns="0" tIns="0" rIns="0" bIns="0" rtlCol="0" anchor="t" anchorCtr="0">
+            <a:noAutofit/>
+          </a:bodyPr>
+          <a:lstStyle>
+            <a:lvl1pPr algn="l" defTabSz="914400" rtl="0" eaLnBrk="1" latinLnBrk="0" hangingPunct="1">
+              <a:spcBef>
+                <a:spcPct val="0"/>
+              </a:spcBef>
+              <a:buNone/>
+              <a:defRPr sz="2400" b="1" kern="1200">
+                <a:solidFill>
+                  <a:schemeClr val="accent1"/>
+                </a:solidFill>
+                <a:latin typeface="Vodafone Rg" pitchFamily="34" charset="0"/>
+                <a:ea typeface="+mj-ea"/>
+                <a:cs typeface="+mj-cs"/>
+              </a:defRPr>
+            </a:lvl1pPr>
+          </a:lstStyle>
+          <a:p>
+            <a:pPr algn="ctr"/>
+            <a:r>
+              <a:rPr lang="en-US" sz="3200" dirty="0"/>
+              <a:t>Publish</a:t>
+            </a:r>
+            <a:endParaRPr lang="en-GB" sz="3200" dirty="0"/>
+          </a:p>
+          <a:p>
+            <a:pPr algn="ctr"/>
+            <a:r>
+              <a:rPr lang="en-GB" sz="3200" dirty="0"/>
+              <a:t>{Podcast/Videos}</a:t>
+            </a:r>
+          </a:p>
+        </p:txBody>
+      </p:sp>
+      <p:pic>
+        <p:nvPicPr>
+          <p:cNvPr id="28676" name="Picture 4" descr="Image result for podcast logo"/>
+          <p:cNvPicPr>
+            <a:picLocks noChangeAspect="1" noChangeArrowheads="1"/>
+          </p:cNvPicPr>
+          <p:nvPr/>
+        </p:nvPicPr>
+        <p:blipFill>
+          <a:blip r:embed="rId7" cstate="print">
+            <a:extLst>
+              <a:ext uri="{28A0092B-C50C-407E-A947-70E740481C1C}">
+                <a14:useLocalDpi xmlns:a14="http://schemas.microsoft.com/office/drawing/2010/main" val="0"/>
+              </a:ext>
+            </a:extLst>
+          </a:blip>
+          <a:srcRect/>
+          <a:stretch>
+            <a:fillRect/>
+          </a:stretch>
+        </p:blipFill>
+        <p:spPr bwMode="auto">
+          <a:xfrm>
+            <a:off x="2346583" y="5436551"/>
+            <a:ext cx="1156936" cy="1018795"/>
+          </a:xfrm>
+          <a:prstGeom prst="rect">
+            <a:avLst/>
+          </a:prstGeom>
+          <a:noFill/>
+          <a:extLst>
+            <a:ext uri="{909E8E84-426E-40DD-AFC4-6F175D3DCCD1}">
+              <a14:hiddenFill xmlns:a14="http://schemas.microsoft.com/office/drawing/2010/main">
+                <a:solidFill>
+                  <a:srgbClr val="FFFFFF"/>
+                </a:solidFill>
+              </a14:hiddenFill>
+            </a:ext>
+          </a:extLst>
+        </p:spPr>
+      </p:pic>
+      <p:pic>
+        <p:nvPicPr>
+          <p:cNvPr id="28677" name="Picture 5"/>
+          <p:cNvPicPr>
+            <a:picLocks noChangeAspect="1" noChangeArrowheads="1"/>
+          </p:cNvPicPr>
+          <p:nvPr/>
+        </p:nvPicPr>
+        <p:blipFill>
+          <a:blip r:embed="rId8" cstate="print">
+            <a:extLst>
+              <a:ext uri="{28A0092B-C50C-407E-A947-70E740481C1C}">
+                <a14:useLocalDpi xmlns:a14="http://schemas.microsoft.com/office/drawing/2010/main" val="0"/>
+              </a:ext>
+            </a:extLst>
+          </a:blip>
+          <a:srcRect/>
+          <a:stretch>
+            <a:fillRect/>
+          </a:stretch>
+        </p:blipFill>
+        <p:spPr bwMode="auto">
+          <a:xfrm>
+            <a:off x="3515721" y="5558971"/>
+            <a:ext cx="1064660" cy="773955"/>
+          </a:xfrm>
+          <a:prstGeom prst="rect">
+            <a:avLst/>
+          </a:prstGeom>
+          <a:noFill/>
+          <a:ln>
+            <a:noFill/>
+          </a:ln>
+          <a:extLst>
+            <a:ext uri="{909E8E84-426E-40DD-AFC4-6F175D3DCCD1}">
+              <a14:hiddenFill xmlns:a14="http://schemas.microsoft.com/office/drawing/2010/main">
+                <a:solidFill>
+                  <a:schemeClr val="accent1"/>
+                </a:solidFill>
+              </a14:hiddenFill>
+            </a:ext>
+            <a:ext uri="{91240B29-F687-4F45-9708-019B960494DF}">
+              <a14:hiddenLine xmlns:a14="http://schemas.microsoft.com/office/drawing/2010/main" w="9525">
+                <a:solidFill>
+                  <a:schemeClr val="tx1"/>
+                </a:solidFill>
+                <a:miter lim="800000"/>
+                <a:headEnd/>
+                <a:tailEnd/>
+              </a14:hiddenLine>
+            </a:ext>
+          </a:extLst>
+        </p:spPr>
+      </p:pic>
+      <p:sp>
+        <p:nvSpPr>
+          <p:cNvPr id="16" name="Title 3"/>
+          <p:cNvSpPr txBox="1">
+            <a:spLocks/>
+          </p:cNvSpPr>
+          <p:nvPr/>
+        </p:nvSpPr>
+        <p:spPr>
+          <a:xfrm>
+            <a:off x="6268606" y="4386293"/>
+            <a:ext cx="3236329" cy="825012"/>
+          </a:xfrm>
+          <a:prstGeom prst="rect">
+            <a:avLst/>
+          </a:prstGeom>
+        </p:spPr>
+        <p:txBody>
+          <a:bodyPr vert="horz" lIns="0" tIns="0" rIns="0" bIns="0" rtlCol="0" anchor="t" anchorCtr="0">
+            <a:noAutofit/>
+          </a:bodyPr>
+          <a:lstStyle>
+            <a:lvl1pPr algn="l" defTabSz="914400" rtl="0" eaLnBrk="1" latinLnBrk="0" hangingPunct="1">
+              <a:spcBef>
+                <a:spcPct val="0"/>
+              </a:spcBef>
+              <a:buNone/>
+              <a:defRPr sz="2400" b="1" kern="1200">
+                <a:solidFill>
+                  <a:schemeClr val="accent1"/>
+                </a:solidFill>
+                <a:latin typeface="Vodafone Rg" pitchFamily="34" charset="0"/>
+                <a:ea typeface="+mj-ea"/>
+                <a:cs typeface="+mj-cs"/>
+              </a:defRPr>
+            </a:lvl1pPr>
+          </a:lstStyle>
+          <a:p>
+            <a:pPr algn="ctr"/>
+            <a:r>
+              <a:rPr lang="en-US" sz="3200" dirty="0"/>
+              <a:t>Build &amp; Sell</a:t>
+            </a:r>
+            <a:endParaRPr lang="en-GB" sz="3200" dirty="0"/>
+          </a:p>
+          <a:p>
+            <a:pPr algn="ctr"/>
+            <a:r>
+              <a:rPr lang="en-GB" sz="3200" dirty="0"/>
+              <a:t>{Kits/Products}</a:t>
+            </a:r>
+          </a:p>
+        </p:txBody>
+      </p:sp>
+      <p:pic>
+        <p:nvPicPr>
+          <p:cNvPr id="28679" name="Picture 7" descr="https://www.brandsoftheworld.com/sites/default/files/styles/logo-thumbnail/public/112013/kickstarter-logo-light.png?itok=txntiR1h"/>
+          <p:cNvPicPr>
+            <a:picLocks noChangeAspect="1" noChangeArrowheads="1"/>
+          </p:cNvPicPr>
+          <p:nvPr/>
+        </p:nvPicPr>
+        <p:blipFill rotWithShape="1">
+          <a:blip r:embed="rId9" cstate="print">
+            <a:extLst>
+              <a:ext uri="{28A0092B-C50C-407E-A947-70E740481C1C}">
+                <a14:useLocalDpi xmlns:a14="http://schemas.microsoft.com/office/drawing/2010/main" val="0"/>
+              </a:ext>
+            </a:extLst>
+          </a:blip>
+          <a:srcRect/>
+          <a:stretch/>
+        </p:blipFill>
+        <p:spPr bwMode="auto">
+          <a:xfrm>
+            <a:off x="6648519" y="5381520"/>
+            <a:ext cx="2476500" cy="788457"/>
+          </a:xfrm>
+          <a:prstGeom prst="rect">
+            <a:avLst/>
+          </a:prstGeom>
+          <a:noFill/>
+          <a:extLst>
+            <a:ext uri="{909E8E84-426E-40DD-AFC4-6F175D3DCCD1}">
+              <a14:hiddenFill xmlns:a14="http://schemas.microsoft.com/office/drawing/2010/main">
+                <a:solidFill>
+                  <a:srgbClr val="FFFFFF"/>
+                </a:solidFill>
+              </a14:hiddenFill>
+            </a:ext>
+          </a:extLst>
+        </p:spPr>
+      </p:pic>
+    </p:spTree>
+    <p:extLst>
+      <p:ext uri="{BB962C8B-B14F-4D97-AF65-F5344CB8AC3E}">
+        <p14:creationId xmlns:p14="http://schemas.microsoft.com/office/powerpoint/2010/main" val="1392103041"/>
+      </p:ext>
+    </p:extLst>
+  </p:cSld>
+  <p:clrMapOvr>
+    <a:masterClrMapping/>
+  </p:clrMapOvr>
+  <p:transition spd="slow">
+    <p:wipe dir="r"/>
+  </p:transition>
 </p:sld>
 </file>
 
